--- a/files/Distributed Tracking System.pptx
+++ b/files/Distributed Tracking System.pptx
@@ -7,29 +7,30 @@
   <p:sldIdLst>
     <p:sldId id="256" r:id="rId2"/>
     <p:sldId id="266" r:id="rId3"/>
-    <p:sldId id="265" r:id="rId4"/>
-    <p:sldId id="268" r:id="rId5"/>
-    <p:sldId id="271" r:id="rId6"/>
-    <p:sldId id="277" r:id="rId7"/>
-    <p:sldId id="272" r:id="rId8"/>
-    <p:sldId id="273" r:id="rId9"/>
-    <p:sldId id="278" r:id="rId10"/>
-    <p:sldId id="269" r:id="rId11"/>
-    <p:sldId id="270" r:id="rId12"/>
-    <p:sldId id="281" r:id="rId13"/>
-    <p:sldId id="282" r:id="rId14"/>
-    <p:sldId id="275" r:id="rId15"/>
-    <p:sldId id="283" r:id="rId16"/>
-    <p:sldId id="262" r:id="rId17"/>
-    <p:sldId id="263" r:id="rId18"/>
-    <p:sldId id="264" r:id="rId19"/>
-    <p:sldId id="276" r:id="rId20"/>
-    <p:sldId id="280" r:id="rId21"/>
-    <p:sldId id="279" r:id="rId22"/>
-    <p:sldId id="274" r:id="rId23"/>
-    <p:sldId id="257" r:id="rId24"/>
-    <p:sldId id="258" r:id="rId25"/>
-    <p:sldId id="284" r:id="rId26"/>
+    <p:sldId id="258" r:id="rId4"/>
+    <p:sldId id="265" r:id="rId5"/>
+    <p:sldId id="268" r:id="rId6"/>
+    <p:sldId id="271" r:id="rId7"/>
+    <p:sldId id="277" r:id="rId8"/>
+    <p:sldId id="272" r:id="rId9"/>
+    <p:sldId id="273" r:id="rId10"/>
+    <p:sldId id="278" r:id="rId11"/>
+    <p:sldId id="269" r:id="rId12"/>
+    <p:sldId id="274" r:id="rId13"/>
+    <p:sldId id="257" r:id="rId14"/>
+    <p:sldId id="286" r:id="rId15"/>
+    <p:sldId id="285" r:id="rId16"/>
+    <p:sldId id="270" r:id="rId17"/>
+    <p:sldId id="281" r:id="rId18"/>
+    <p:sldId id="275" r:id="rId19"/>
+    <p:sldId id="283" r:id="rId20"/>
+    <p:sldId id="284" r:id="rId21"/>
+    <p:sldId id="262" r:id="rId22"/>
+    <p:sldId id="263" r:id="rId23"/>
+    <p:sldId id="264" r:id="rId24"/>
+    <p:sldId id="276" r:id="rId25"/>
+    <p:sldId id="280" r:id="rId26"/>
+    <p:sldId id="279" r:id="rId27"/>
   </p:sldIdLst>
   <p:sldSz cx="12192000" cy="6858000"/>
   <p:notesSz cx="6858000" cy="9144000"/>
@@ -283,7 +284,7 @@
           <a:p>
             <a:fld id="{1202605D-E7D7-422E-91C5-E2A4EF84240A}" type="datetimeFigureOut">
               <a:rPr lang="zh-CN" altLang="en-US" smtClean="0"/>
-              <a:t>2019/10/25</a:t>
+              <a:t>2019/11/20</a:t>
             </a:fld>
             <a:endParaRPr lang="zh-CN" altLang="en-US"/>
           </a:p>
@@ -481,7 +482,7 @@
           <a:p>
             <a:fld id="{1202605D-E7D7-422E-91C5-E2A4EF84240A}" type="datetimeFigureOut">
               <a:rPr lang="zh-CN" altLang="en-US" smtClean="0"/>
-              <a:t>2019/10/25</a:t>
+              <a:t>2019/11/20</a:t>
             </a:fld>
             <a:endParaRPr lang="zh-CN" altLang="en-US"/>
           </a:p>
@@ -689,7 +690,7 @@
           <a:p>
             <a:fld id="{1202605D-E7D7-422E-91C5-E2A4EF84240A}" type="datetimeFigureOut">
               <a:rPr lang="zh-CN" altLang="en-US" smtClean="0"/>
-              <a:t>2019/10/25</a:t>
+              <a:t>2019/11/20</a:t>
             </a:fld>
             <a:endParaRPr lang="zh-CN" altLang="en-US"/>
           </a:p>
@@ -887,7 +888,7 @@
           <a:p>
             <a:fld id="{1202605D-E7D7-422E-91C5-E2A4EF84240A}" type="datetimeFigureOut">
               <a:rPr lang="zh-CN" altLang="en-US" smtClean="0"/>
-              <a:t>2019/10/25</a:t>
+              <a:t>2019/11/20</a:t>
             </a:fld>
             <a:endParaRPr lang="zh-CN" altLang="en-US"/>
           </a:p>
@@ -1162,7 +1163,7 @@
           <a:p>
             <a:fld id="{1202605D-E7D7-422E-91C5-E2A4EF84240A}" type="datetimeFigureOut">
               <a:rPr lang="zh-CN" altLang="en-US" smtClean="0"/>
-              <a:t>2019/10/25</a:t>
+              <a:t>2019/11/20</a:t>
             </a:fld>
             <a:endParaRPr lang="zh-CN" altLang="en-US"/>
           </a:p>
@@ -1427,7 +1428,7 @@
           <a:p>
             <a:fld id="{1202605D-E7D7-422E-91C5-E2A4EF84240A}" type="datetimeFigureOut">
               <a:rPr lang="zh-CN" altLang="en-US" smtClean="0"/>
-              <a:t>2019/10/25</a:t>
+              <a:t>2019/11/20</a:t>
             </a:fld>
             <a:endParaRPr lang="zh-CN" altLang="en-US"/>
           </a:p>
@@ -1839,7 +1840,7 @@
           <a:p>
             <a:fld id="{1202605D-E7D7-422E-91C5-E2A4EF84240A}" type="datetimeFigureOut">
               <a:rPr lang="zh-CN" altLang="en-US" smtClean="0"/>
-              <a:t>2019/10/25</a:t>
+              <a:t>2019/11/20</a:t>
             </a:fld>
             <a:endParaRPr lang="zh-CN" altLang="en-US"/>
           </a:p>
@@ -1980,7 +1981,7 @@
           <a:p>
             <a:fld id="{1202605D-E7D7-422E-91C5-E2A4EF84240A}" type="datetimeFigureOut">
               <a:rPr lang="zh-CN" altLang="en-US" smtClean="0"/>
-              <a:t>2019/10/25</a:t>
+              <a:t>2019/11/20</a:t>
             </a:fld>
             <a:endParaRPr lang="zh-CN" altLang="en-US"/>
           </a:p>
@@ -2093,7 +2094,7 @@
           <a:p>
             <a:fld id="{1202605D-E7D7-422E-91C5-E2A4EF84240A}" type="datetimeFigureOut">
               <a:rPr lang="zh-CN" altLang="en-US" smtClean="0"/>
-              <a:t>2019/10/25</a:t>
+              <a:t>2019/11/20</a:t>
             </a:fld>
             <a:endParaRPr lang="zh-CN" altLang="en-US"/>
           </a:p>
@@ -2404,7 +2405,7 @@
           <a:p>
             <a:fld id="{1202605D-E7D7-422E-91C5-E2A4EF84240A}" type="datetimeFigureOut">
               <a:rPr lang="zh-CN" altLang="en-US" smtClean="0"/>
-              <a:t>2019/10/25</a:t>
+              <a:t>2019/11/20</a:t>
             </a:fld>
             <a:endParaRPr lang="zh-CN" altLang="en-US"/>
           </a:p>
@@ -2692,7 +2693,7 @@
           <a:p>
             <a:fld id="{1202605D-E7D7-422E-91C5-E2A4EF84240A}" type="datetimeFigureOut">
               <a:rPr lang="zh-CN" altLang="en-US" smtClean="0"/>
-              <a:t>2019/10/25</a:t>
+              <a:t>2019/11/20</a:t>
             </a:fld>
             <a:endParaRPr lang="zh-CN" altLang="en-US"/>
           </a:p>
@@ -2933,7 +2934,7 @@
           <a:p>
             <a:fld id="{1202605D-E7D7-422E-91C5-E2A4EF84240A}" type="datetimeFigureOut">
               <a:rPr lang="zh-CN" altLang="en-US" smtClean="0"/>
-              <a:t>2019/10/25</a:t>
+              <a:t>2019/11/20</a:t>
             </a:fld>
             <a:endParaRPr lang="zh-CN" altLang="en-US"/>
           </a:p>
@@ -3447,6 +3448,66 @@
           <a:chExt cx="0" cy="0"/>
         </a:xfrm>
       </p:grpSpPr>
+      <p:pic>
+        <p:nvPicPr>
+          <p:cNvPr id="4" name="图片 3">
+            <a:extLst>
+              <a:ext uri="{FF2B5EF4-FFF2-40B4-BE49-F238E27FC236}">
+                <a16:creationId xmlns:a16="http://schemas.microsoft.com/office/drawing/2014/main" id="{AFCDE4BE-9749-48F0-B9B7-E3B8956D1F84}"/>
+              </a:ext>
+            </a:extLst>
+          </p:cNvPr>
+          <p:cNvPicPr>
+            <a:picLocks noChangeAspect="1"/>
+          </p:cNvPicPr>
+          <p:nvPr/>
+        </p:nvPicPr>
+        <p:blipFill>
+          <a:blip r:embed="rId2"/>
+          <a:stretch>
+            <a:fillRect/>
+          </a:stretch>
+        </p:blipFill>
+        <p:spPr>
+          <a:xfrm>
+            <a:off x="2143586" y="447641"/>
+            <a:ext cx="7761905" cy="6104762"/>
+          </a:xfrm>
+          <a:prstGeom prst="rect">
+            <a:avLst/>
+          </a:prstGeom>
+        </p:spPr>
+      </p:pic>
+    </p:spTree>
+    <p:extLst>
+      <p:ext uri="{BB962C8B-B14F-4D97-AF65-F5344CB8AC3E}">
+        <p14:creationId xmlns:p14="http://schemas.microsoft.com/office/powerpoint/2010/main" val="3636653221"/>
+      </p:ext>
+    </p:extLst>
+  </p:cSld>
+  <p:clrMapOvr>
+    <a:masterClrMapping/>
+  </p:clrMapOvr>
+</p:sld>
+</file>
+
+<file path=ppt/slides/slide11.xml><?xml version="1.0" encoding="utf-8"?>
+<p:sld xmlns:a="http://schemas.openxmlformats.org/drawingml/2006/main" xmlns:r="http://schemas.openxmlformats.org/officeDocument/2006/relationships" xmlns:p="http://schemas.openxmlformats.org/presentationml/2006/main">
+  <p:cSld>
+    <p:spTree>
+      <p:nvGrpSpPr>
+        <p:cNvPr id="1" name=""/>
+        <p:cNvGrpSpPr/>
+        <p:nvPr/>
+      </p:nvGrpSpPr>
+      <p:grpSpPr>
+        <a:xfrm>
+          <a:off x="0" y="0"/>
+          <a:ext cx="0" cy="0"/>
+          <a:chOff x="0" y="0"/>
+          <a:chExt cx="0" cy="0"/>
+        </a:xfrm>
+      </p:grpSpPr>
       <p:sp>
         <p:nvSpPr>
           <p:cNvPr id="5" name="矩形 4">
@@ -3747,12 +3808,490 @@
           </a:p>
         </p:txBody>
       </p:sp>
+    </p:spTree>
+    <p:extLst>
+      <p:ext uri="{BB962C8B-B14F-4D97-AF65-F5344CB8AC3E}">
+        <p14:creationId xmlns:p14="http://schemas.microsoft.com/office/powerpoint/2010/main" val="583692189"/>
+      </p:ext>
+    </p:extLst>
+  </p:cSld>
+  <p:clrMapOvr>
+    <a:masterClrMapping/>
+  </p:clrMapOvr>
+</p:sld>
+</file>
+
+<file path=ppt/slides/slide12.xml><?xml version="1.0" encoding="utf-8"?>
+<p:sld xmlns:a="http://schemas.openxmlformats.org/drawingml/2006/main" xmlns:r="http://schemas.openxmlformats.org/officeDocument/2006/relationships" xmlns:p="http://schemas.openxmlformats.org/presentationml/2006/main">
+  <p:cSld>
+    <p:spTree>
+      <p:nvGrpSpPr>
+        <p:cNvPr id="1" name=""/>
+        <p:cNvGrpSpPr/>
+        <p:nvPr/>
+      </p:nvGrpSpPr>
+      <p:grpSpPr>
+        <a:xfrm>
+          <a:off x="0" y="0"/>
+          <a:ext cx="0" cy="0"/>
+          <a:chOff x="0" y="0"/>
+          <a:chExt cx="0" cy="0"/>
+        </a:xfrm>
+      </p:grpSpPr>
+      <p:sp>
+        <p:nvSpPr>
+          <p:cNvPr id="2" name="标题 1">
+            <a:extLst>
+              <a:ext uri="{FF2B5EF4-FFF2-40B4-BE49-F238E27FC236}">
+                <a16:creationId xmlns:a16="http://schemas.microsoft.com/office/drawing/2014/main" id="{3A1AD810-BE92-4147-AAF5-971D49BA8767}"/>
+              </a:ext>
+            </a:extLst>
+          </p:cNvPr>
+          <p:cNvSpPr>
+            <a:spLocks noGrp="1"/>
+          </p:cNvSpPr>
+          <p:nvPr>
+            <p:ph type="title"/>
+          </p:nvPr>
+        </p:nvSpPr>
+        <p:spPr>
+          <a:xfrm>
+            <a:off x="838200" y="365125"/>
+            <a:ext cx="10515600" cy="877749"/>
+          </a:xfrm>
+        </p:spPr>
+        <p:txBody>
+          <a:bodyPr/>
+          <a:lstStyle/>
+          <a:p>
+            <a:pPr algn="ctr"/>
+            <a:r>
+              <a:rPr lang="en-US" altLang="zh-CN" sz="1800" b="1" dirty="0">
+                <a:solidFill>
+                  <a:srgbClr val="AB1942"/>
+                </a:solidFill>
+                <a:latin typeface="-apple-system-font"/>
+                <a:ea typeface="+mn-ea"/>
+                <a:cs typeface="+mn-cs"/>
+              </a:rPr>
+              <a:t>Dapper</a:t>
+            </a:r>
+            <a:endParaRPr lang="zh-CN" altLang="en-US" sz="1800" b="1" dirty="0">
+              <a:solidFill>
+                <a:srgbClr val="AB1942"/>
+              </a:solidFill>
+              <a:latin typeface="-apple-system-font"/>
+              <a:ea typeface="+mn-ea"/>
+              <a:cs typeface="+mn-cs"/>
+            </a:endParaRPr>
+          </a:p>
+        </p:txBody>
+      </p:sp>
+      <p:sp>
+        <p:nvSpPr>
+          <p:cNvPr id="3" name="内容占位符 2">
+            <a:extLst>
+              <a:ext uri="{FF2B5EF4-FFF2-40B4-BE49-F238E27FC236}">
+                <a16:creationId xmlns:a16="http://schemas.microsoft.com/office/drawing/2014/main" id="{F2C7F9DB-C1BE-405C-B427-FB4448BD5262}"/>
+              </a:ext>
+            </a:extLst>
+          </p:cNvPr>
+          <p:cNvSpPr>
+            <a:spLocks noGrp="1"/>
+          </p:cNvSpPr>
+          <p:nvPr>
+            <p:ph idx="1"/>
+          </p:nvPr>
+        </p:nvSpPr>
+        <p:spPr/>
+        <p:txBody>
+          <a:bodyPr/>
+          <a:lstStyle/>
+          <a:p>
+            <a:r>
+              <a:rPr lang="en-US" altLang="zh-CN" dirty="0">
+                <a:hlinkClick r:id="rId2"/>
+              </a:rPr>
+              <a:t>http://bigbully.github.io/Dapper-translation/</a:t>
+            </a:r>
+            <a:endParaRPr lang="zh-CN" altLang="en-US" dirty="0"/>
+          </a:p>
+        </p:txBody>
+      </p:sp>
+    </p:spTree>
+    <p:extLst>
+      <p:ext uri="{BB962C8B-B14F-4D97-AF65-F5344CB8AC3E}">
+        <p14:creationId xmlns:p14="http://schemas.microsoft.com/office/powerpoint/2010/main" val="2338257417"/>
+      </p:ext>
+    </p:extLst>
+  </p:cSld>
+  <p:clrMapOvr>
+    <a:masterClrMapping/>
+  </p:clrMapOvr>
+</p:sld>
+</file>
+
+<file path=ppt/slides/slide13.xml><?xml version="1.0" encoding="utf-8"?>
+<p:sld xmlns:a="http://schemas.openxmlformats.org/drawingml/2006/main" xmlns:r="http://schemas.openxmlformats.org/officeDocument/2006/relationships" xmlns:p="http://schemas.openxmlformats.org/presentationml/2006/main">
+  <p:cSld>
+    <p:spTree>
+      <p:nvGrpSpPr>
+        <p:cNvPr id="1" name=""/>
+        <p:cNvGrpSpPr/>
+        <p:nvPr/>
+      </p:nvGrpSpPr>
+      <p:grpSpPr>
+        <a:xfrm>
+          <a:off x="0" y="0"/>
+          <a:ext cx="0" cy="0"/>
+          <a:chOff x="0" y="0"/>
+          <a:chExt cx="0" cy="0"/>
+        </a:xfrm>
+      </p:grpSpPr>
+      <p:sp>
+        <p:nvSpPr>
+          <p:cNvPr id="2" name="标题 1">
+            <a:extLst>
+              <a:ext uri="{FF2B5EF4-FFF2-40B4-BE49-F238E27FC236}">
+                <a16:creationId xmlns:a16="http://schemas.microsoft.com/office/drawing/2014/main" id="{97383277-74EE-4768-853C-55F2A2513DE3}"/>
+              </a:ext>
+            </a:extLst>
+          </p:cNvPr>
+          <p:cNvSpPr>
+            <a:spLocks noGrp="1"/>
+          </p:cNvSpPr>
+          <p:nvPr>
+            <p:ph type="title"/>
+          </p:nvPr>
+        </p:nvSpPr>
+        <p:spPr>
+          <a:xfrm>
+            <a:off x="838200" y="365126"/>
+            <a:ext cx="10515600" cy="673562"/>
+          </a:xfrm>
+        </p:spPr>
+        <p:txBody>
+          <a:bodyPr/>
+          <a:lstStyle/>
+          <a:p>
+            <a:pPr algn="ctr"/>
+            <a:r>
+              <a:rPr lang="zh-CN" altLang="en-US" sz="1800" b="1" dirty="0">
+                <a:solidFill>
+                  <a:srgbClr val="AB1942"/>
+                </a:solidFill>
+                <a:latin typeface="-apple-system-font"/>
+                <a:ea typeface="+mn-ea"/>
+                <a:cs typeface="+mn-cs"/>
+              </a:rPr>
+              <a:t>什么是</a:t>
+            </a:r>
+            <a:r>
+              <a:rPr lang="en-US" altLang="zh-CN" sz="1800" b="1" dirty="0" err="1">
+                <a:solidFill>
+                  <a:srgbClr val="AB1942"/>
+                </a:solidFill>
+                <a:latin typeface="-apple-system-font"/>
+                <a:ea typeface="+mn-ea"/>
+                <a:cs typeface="+mn-cs"/>
+              </a:rPr>
+              <a:t>OpenTracing</a:t>
+            </a:r>
+            <a:r>
+              <a:rPr lang="en-US" altLang="zh-CN" sz="1800" b="1" dirty="0">
+                <a:solidFill>
+                  <a:srgbClr val="AB1942"/>
+                </a:solidFill>
+                <a:latin typeface="-apple-system-font"/>
+                <a:ea typeface="+mn-ea"/>
+                <a:cs typeface="+mn-cs"/>
+              </a:rPr>
+              <a:t>?</a:t>
+            </a:r>
+            <a:endParaRPr lang="zh-CN" altLang="en-US" sz="1800" b="1" dirty="0">
+              <a:solidFill>
+                <a:srgbClr val="AB1942"/>
+              </a:solidFill>
+              <a:latin typeface="-apple-system-font"/>
+              <a:ea typeface="+mn-ea"/>
+              <a:cs typeface="+mn-cs"/>
+            </a:endParaRPr>
+          </a:p>
+        </p:txBody>
+      </p:sp>
+      <p:sp>
+        <p:nvSpPr>
+          <p:cNvPr id="3" name="内容占位符 2">
+            <a:extLst>
+              <a:ext uri="{FF2B5EF4-FFF2-40B4-BE49-F238E27FC236}">
+                <a16:creationId xmlns:a16="http://schemas.microsoft.com/office/drawing/2014/main" id="{98BFBECF-73E4-45AB-8DBE-642FDC418D22}"/>
+              </a:ext>
+            </a:extLst>
+          </p:cNvPr>
+          <p:cNvSpPr>
+            <a:spLocks noGrp="1"/>
+          </p:cNvSpPr>
+          <p:nvPr>
+            <p:ph idx="1"/>
+          </p:nvPr>
+        </p:nvSpPr>
+        <p:spPr>
+          <a:xfrm>
+            <a:off x="838200" y="1518082"/>
+            <a:ext cx="10515600" cy="4658881"/>
+          </a:xfrm>
+        </p:spPr>
+        <p:txBody>
+          <a:bodyPr>
+            <a:normAutofit/>
+          </a:bodyPr>
+          <a:lstStyle/>
+          <a:p>
+            <a:pPr>
+              <a:lnSpc>
+                <a:spcPct val="100000"/>
+              </a:lnSpc>
+            </a:pPr>
+            <a:r>
+              <a:rPr lang="en-US" altLang="zh-CN" dirty="0" err="1"/>
+              <a:t>OpenTracing</a:t>
+            </a:r>
+            <a:r>
+              <a:rPr lang="en-US" altLang="zh-CN" dirty="0"/>
+              <a:t>(http://opentracing.io/)</a:t>
+            </a:r>
+            <a:r>
+              <a:rPr lang="zh-CN" altLang="en-US" dirty="0"/>
+              <a:t>是分布式跟踪系统，当我们把系统拆成服务化，分布式系统的时候，查询一个问题，很可能需要多个登录多台机器。</a:t>
+            </a:r>
+            <a:r>
+              <a:rPr lang="en-US" altLang="zh-CN" dirty="0" err="1"/>
+              <a:t>OpenTracing</a:t>
+            </a:r>
+            <a:r>
+              <a:rPr lang="zh-CN" altLang="en-US" dirty="0"/>
+              <a:t>通过提供平台无关、厂商无关的</a:t>
+            </a:r>
+            <a:r>
+              <a:rPr lang="en-US" altLang="zh-CN" dirty="0"/>
+              <a:t>API</a:t>
+            </a:r>
+            <a:r>
+              <a:rPr lang="zh-CN" altLang="en-US" dirty="0"/>
+              <a:t>，使得开发人员能够方便的添加（或更换）追踪系统的实现。</a:t>
+            </a:r>
+            <a:r>
+              <a:rPr lang="en-US" altLang="zh-CN" dirty="0" err="1"/>
+              <a:t>OpenTracing</a:t>
+            </a:r>
+            <a:r>
+              <a:rPr lang="zh-CN" altLang="en-US" dirty="0"/>
+              <a:t>正在为全球的分布式追踪，提供统一的概念和数据标准。</a:t>
+            </a:r>
+            <a:endParaRPr lang="en-US" altLang="zh-CN" dirty="0"/>
+          </a:p>
+        </p:txBody>
+      </p:sp>
+    </p:spTree>
+    <p:extLst>
+      <p:ext uri="{BB962C8B-B14F-4D97-AF65-F5344CB8AC3E}">
+        <p14:creationId xmlns:p14="http://schemas.microsoft.com/office/powerpoint/2010/main" val="4014048424"/>
+      </p:ext>
+    </p:extLst>
+  </p:cSld>
+  <p:clrMapOvr>
+    <a:masterClrMapping/>
+  </p:clrMapOvr>
+</p:sld>
+</file>
+
+<file path=ppt/slides/slide14.xml><?xml version="1.0" encoding="utf-8"?>
+<p:sld xmlns:a="http://schemas.openxmlformats.org/drawingml/2006/main" xmlns:r="http://schemas.openxmlformats.org/officeDocument/2006/relationships" xmlns:p="http://schemas.openxmlformats.org/presentationml/2006/main">
+  <p:cSld>
+    <p:spTree>
+      <p:nvGrpSpPr>
+        <p:cNvPr id="1" name=""/>
+        <p:cNvGrpSpPr/>
+        <p:nvPr/>
+      </p:nvGrpSpPr>
+      <p:grpSpPr>
+        <a:xfrm>
+          <a:off x="0" y="0"/>
+          <a:ext cx="0" cy="0"/>
+          <a:chOff x="0" y="0"/>
+          <a:chExt cx="0" cy="0"/>
+        </a:xfrm>
+      </p:grpSpPr>
+      <p:sp>
+        <p:nvSpPr>
+          <p:cNvPr id="2" name="标题 1">
+            <a:extLst>
+              <a:ext uri="{FF2B5EF4-FFF2-40B4-BE49-F238E27FC236}">
+                <a16:creationId xmlns:a16="http://schemas.microsoft.com/office/drawing/2014/main" id="{C94FD713-D42C-434C-93FA-A6BEDFEFD0B3}"/>
+              </a:ext>
+            </a:extLst>
+          </p:cNvPr>
+          <p:cNvSpPr>
+            <a:spLocks noGrp="1"/>
+          </p:cNvSpPr>
+          <p:nvPr>
+            <p:ph type="title"/>
+          </p:nvPr>
+        </p:nvSpPr>
+        <p:spPr>
+          <a:xfrm>
+            <a:off x="838200" y="365126"/>
+            <a:ext cx="10515600" cy="1064180"/>
+          </a:xfrm>
+        </p:spPr>
+        <p:txBody>
+          <a:bodyPr/>
+          <a:lstStyle/>
+          <a:p>
+            <a:pPr algn="ctr"/>
+            <a:r>
+              <a:rPr lang="en-US" altLang="zh-CN" sz="1800" b="1" dirty="0" err="1">
+                <a:solidFill>
+                  <a:srgbClr val="AB1942"/>
+                </a:solidFill>
+                <a:latin typeface="-apple-system-font"/>
+                <a:ea typeface="+mn-ea"/>
+                <a:cs typeface="+mn-cs"/>
+              </a:rPr>
+              <a:t>OpenTracing</a:t>
+            </a:r>
+            <a:r>
+              <a:rPr lang="zh-CN" altLang="en-US" sz="1800" b="1" dirty="0">
+                <a:solidFill>
+                  <a:srgbClr val="AB1942"/>
+                </a:solidFill>
+                <a:latin typeface="-apple-system-font"/>
+                <a:ea typeface="+mn-ea"/>
+                <a:cs typeface="+mn-cs"/>
+              </a:rPr>
+              <a:t>语义规范</a:t>
+            </a:r>
+          </a:p>
+        </p:txBody>
+      </p:sp>
+      <p:sp>
+        <p:nvSpPr>
+          <p:cNvPr id="3" name="内容占位符 2">
+            <a:extLst>
+              <a:ext uri="{FF2B5EF4-FFF2-40B4-BE49-F238E27FC236}">
+                <a16:creationId xmlns:a16="http://schemas.microsoft.com/office/drawing/2014/main" id="{18BFCED8-7BB7-4FDB-8B46-6FF4B2E1AF5D}"/>
+              </a:ext>
+            </a:extLst>
+          </p:cNvPr>
+          <p:cNvSpPr>
+            <a:spLocks noGrp="1"/>
+          </p:cNvSpPr>
+          <p:nvPr>
+            <p:ph idx="1"/>
+          </p:nvPr>
+        </p:nvSpPr>
+        <p:spPr/>
+        <p:txBody>
+          <a:bodyPr/>
+          <a:lstStyle/>
+          <a:p>
+            <a:r>
+              <a:rPr lang="en-US" altLang="zh-CN" dirty="0">
+                <a:hlinkClick r:id="rId2"/>
+              </a:rPr>
+              <a:t>https://github.com/opentracing/specification/blob/master/specification.md</a:t>
+            </a:r>
+            <a:endParaRPr lang="zh-CN" altLang="en-US" dirty="0"/>
+          </a:p>
+        </p:txBody>
+      </p:sp>
+    </p:spTree>
+    <p:extLst>
+      <p:ext uri="{BB962C8B-B14F-4D97-AF65-F5344CB8AC3E}">
+        <p14:creationId xmlns:p14="http://schemas.microsoft.com/office/powerpoint/2010/main" val="1436763721"/>
+      </p:ext>
+    </p:extLst>
+  </p:cSld>
+  <p:clrMapOvr>
+    <a:masterClrMapping/>
+  </p:clrMapOvr>
+</p:sld>
+</file>
+
+<file path=ppt/slides/slide15.xml><?xml version="1.0" encoding="utf-8"?>
+<p:sld xmlns:a="http://schemas.openxmlformats.org/drawingml/2006/main" xmlns:r="http://schemas.openxmlformats.org/officeDocument/2006/relationships" xmlns:p="http://schemas.openxmlformats.org/presentationml/2006/main">
+  <p:cSld>
+    <p:spTree>
+      <p:nvGrpSpPr>
+        <p:cNvPr id="1" name=""/>
+        <p:cNvGrpSpPr/>
+        <p:nvPr/>
+      </p:nvGrpSpPr>
+      <p:grpSpPr>
+        <a:xfrm>
+          <a:off x="0" y="0"/>
+          <a:ext cx="0" cy="0"/>
+          <a:chOff x="0" y="0"/>
+          <a:chExt cx="0" cy="0"/>
+        </a:xfrm>
+      </p:grpSpPr>
+      <p:sp>
+        <p:nvSpPr>
+          <p:cNvPr id="2" name="标题 1">
+            <a:extLst>
+              <a:ext uri="{FF2B5EF4-FFF2-40B4-BE49-F238E27FC236}">
+                <a16:creationId xmlns:a16="http://schemas.microsoft.com/office/drawing/2014/main" id="{FBA9F953-05CF-4C2E-980F-F34D865755F2}"/>
+              </a:ext>
+            </a:extLst>
+          </p:cNvPr>
+          <p:cNvSpPr>
+            <a:spLocks noGrp="1"/>
+          </p:cNvSpPr>
+          <p:nvPr>
+            <p:ph type="title"/>
+          </p:nvPr>
+        </p:nvSpPr>
+        <p:spPr>
+          <a:xfrm>
+            <a:off x="429827" y="107674"/>
+            <a:ext cx="10515600" cy="442742"/>
+          </a:xfrm>
+        </p:spPr>
+        <p:txBody>
+          <a:bodyPr>
+            <a:normAutofit/>
+          </a:bodyPr>
+          <a:lstStyle/>
+          <a:p>
+            <a:pPr algn="ctr"/>
+            <a:r>
+              <a:rPr lang="en-US" altLang="zh-CN" sz="1800" b="1" dirty="0">
+                <a:solidFill>
+                  <a:srgbClr val="AB1942"/>
+                </a:solidFill>
+                <a:latin typeface="-apple-system-font"/>
+              </a:rPr>
+              <a:t>Tracing</a:t>
+            </a:r>
+            <a:r>
+              <a:rPr lang="zh-CN" altLang="en-US" sz="1800" b="1" dirty="0">
+                <a:solidFill>
+                  <a:srgbClr val="AB1942"/>
+                </a:solidFill>
+                <a:latin typeface="-apple-system-font"/>
+              </a:rPr>
+              <a:t>的比较</a:t>
+            </a:r>
+            <a:endParaRPr lang="zh-CN" altLang="en-US" sz="1800" dirty="0"/>
+          </a:p>
+        </p:txBody>
+      </p:sp>
       <p:graphicFrame>
         <p:nvGraphicFramePr>
-          <p:cNvPr id="7" name="表格 6">
-            <a:extLst>
-              <a:ext uri="{FF2B5EF4-FFF2-40B4-BE49-F238E27FC236}">
-                <a16:creationId xmlns:a16="http://schemas.microsoft.com/office/drawing/2014/main" id="{0FB20F26-1299-4536-A906-241DF1132E51}"/>
+          <p:cNvPr id="4" name="表格 3">
+            <a:extLst>
+              <a:ext uri="{FF2B5EF4-FFF2-40B4-BE49-F238E27FC236}">
+                <a16:creationId xmlns:a16="http://schemas.microsoft.com/office/drawing/2014/main" id="{32BBC0FD-6F9E-4017-B18D-B8E612CC2413}"/>
               </a:ext>
             </a:extLst>
           </p:cNvPr>
@@ -3762,14 +4301,14 @@
           <p:nvPr>
             <p:extLst>
               <p:ext uri="{D42A27DB-BD31-4B8C-83A1-F6EECF244321}">
-                <p14:modId xmlns:p14="http://schemas.microsoft.com/office/powerpoint/2010/main" val="2459434175"/>
+                <p14:modId xmlns:p14="http://schemas.microsoft.com/office/powerpoint/2010/main" val="1314396394"/>
               </p:ext>
             </p:extLst>
           </p:nvPr>
         </p:nvGraphicFramePr>
         <p:xfrm>
-          <a:off x="545364" y="2043529"/>
-          <a:ext cx="11341835" cy="4769728"/>
+          <a:off x="150920" y="701337"/>
+          <a:ext cx="11940466" cy="5939161"/>
         </p:xfrm>
         <a:graphic>
           <a:graphicData uri="http://schemas.openxmlformats.org/drawingml/2006/table">
@@ -3778,42 +4317,42 @@
                 <a:tableStyleId>{5C22544A-7EE6-4342-B048-85BDC9FD1C3A}</a:tableStyleId>
               </a:tblPr>
               <a:tblGrid>
-                <a:gridCol w="784816">
+                <a:gridCol w="826239">
                   <a:extLst>
                     <a:ext uri="{9D8B030D-6E8A-4147-A177-3AD203B41FA5}">
                       <a16:colId xmlns:a16="http://schemas.microsoft.com/office/drawing/2014/main" val="3533205859"/>
                     </a:ext>
                   </a:extLst>
                 </a:gridCol>
-                <a:gridCol w="539399">
+                <a:gridCol w="567869">
                   <a:extLst>
                     <a:ext uri="{9D8B030D-6E8A-4147-A177-3AD203B41FA5}">
                       <a16:colId xmlns:a16="http://schemas.microsoft.com/office/drawing/2014/main" val="286874705"/>
                     </a:ext>
                   </a:extLst>
                 </a:gridCol>
-                <a:gridCol w="1139951">
+                <a:gridCol w="1200118">
                   <a:extLst>
                     <a:ext uri="{9D8B030D-6E8A-4147-A177-3AD203B41FA5}">
                       <a16:colId xmlns:a16="http://schemas.microsoft.com/office/drawing/2014/main" val="3718933226"/>
                     </a:ext>
                   </a:extLst>
                 </a:gridCol>
-                <a:gridCol w="1455935">
+                <a:gridCol w="1532781">
                   <a:extLst>
                     <a:ext uri="{9D8B030D-6E8A-4147-A177-3AD203B41FA5}">
                       <a16:colId xmlns:a16="http://schemas.microsoft.com/office/drawing/2014/main" val="3809193368"/>
                     </a:ext>
                   </a:extLst>
                 </a:gridCol>
-                <a:gridCol w="3316307">
+                <a:gridCol w="3491344">
                   <a:extLst>
                     <a:ext uri="{9D8B030D-6E8A-4147-A177-3AD203B41FA5}">
                       <a16:colId xmlns:a16="http://schemas.microsoft.com/office/drawing/2014/main" val="1379717582"/>
                     </a:ext>
                   </a:extLst>
                 </a:gridCol>
-                <a:gridCol w="4105427">
+                <a:gridCol w="4322115">
                   <a:extLst>
                     <a:ext uri="{9D8B030D-6E8A-4147-A177-3AD203B41FA5}">
                       <a16:colId xmlns:a16="http://schemas.microsoft.com/office/drawing/2014/main" val="1645176516"/>
@@ -3821,7 +4360,7 @@
                   </a:extLst>
                 </a:gridCol>
               </a:tblGrid>
-              <a:tr h="317931">
+              <a:tr h="417483">
                 <a:tc>
                   <a:txBody>
                     <a:bodyPr/>
@@ -3963,7 +4502,7 @@
                   </a:ext>
                 </a:extLst>
               </a:tr>
-              <a:tr h="510344">
+              <a:tr h="635469">
                 <a:tc>
                   <a:txBody>
                     <a:bodyPr/>
@@ -4062,7 +4601,7 @@
                   </a:ext>
                 </a:extLst>
               </a:tr>
-              <a:tr h="0">
+              <a:tr h="1328356">
                 <a:tc>
                   <a:txBody>
                     <a:bodyPr/>
@@ -4615,7 +5154,7 @@
                   </a:ext>
                 </a:extLst>
               </a:tr>
-              <a:tr h="510344">
+              <a:tr h="1176544">
                 <a:tc>
                   <a:txBody>
                     <a:bodyPr/>
@@ -5026,7 +5565,7 @@
                   </a:ext>
                 </a:extLst>
               </a:tr>
-              <a:tr h="341949">
+              <a:tr h="872920">
                 <a:tc>
                   <a:txBody>
                     <a:bodyPr/>
@@ -5432,7 +5971,7 @@
                   </a:ext>
                 </a:extLst>
               </a:tr>
-              <a:tr h="510344">
+              <a:tr h="872920">
                 <a:tc>
                   <a:txBody>
                     <a:bodyPr/>
@@ -5905,7 +6444,7 @@
                   </a:ext>
                 </a:extLst>
               </a:tr>
-              <a:tr h="510344">
+              <a:tr h="635469">
                 <a:tc>
                   <a:txBody>
                     <a:bodyPr/>
@@ -6054,7 +6593,7 @@
     </p:spTree>
     <p:extLst>
       <p:ext uri="{BB962C8B-B14F-4D97-AF65-F5344CB8AC3E}">
-        <p14:creationId xmlns:p14="http://schemas.microsoft.com/office/powerpoint/2010/main" val="583692189"/>
+        <p14:creationId xmlns:p14="http://schemas.microsoft.com/office/powerpoint/2010/main" val="840848818"/>
       </p:ext>
     </p:extLst>
   </p:cSld>
@@ -6064,7 +6603,7 @@
 </p:sld>
 </file>
 
-<file path=ppt/slides/slide11.xml><?xml version="1.0" encoding="utf-8"?>
+<file path=ppt/slides/slide16.xml><?xml version="1.0" encoding="utf-8"?>
 <p:sld xmlns:a="http://schemas.openxmlformats.org/drawingml/2006/main" xmlns:r="http://schemas.openxmlformats.org/officeDocument/2006/relationships" xmlns:p="http://schemas.openxmlformats.org/presentationml/2006/main">
   <p:cSld>
     <p:spTree>
@@ -6154,7 +6693,7 @@
 </p:sld>
 </file>
 
-<file path=ppt/slides/slide12.xml><?xml version="1.0" encoding="utf-8"?>
+<file path=ppt/slides/slide17.xml><?xml version="1.0" encoding="utf-8"?>
 <p:sld xmlns:a="http://schemas.openxmlformats.org/drawingml/2006/main" xmlns:r="http://schemas.openxmlformats.org/officeDocument/2006/relationships" xmlns:p="http://schemas.openxmlformats.org/presentationml/2006/main">
   <p:cSld>
     <p:spTree>
@@ -6214,82 +6753,7 @@
 </p:sld>
 </file>
 
-<file path=ppt/slides/slide13.xml><?xml version="1.0" encoding="utf-8"?>
-<p:sld xmlns:a="http://schemas.openxmlformats.org/drawingml/2006/main" xmlns:r="http://schemas.openxmlformats.org/officeDocument/2006/relationships" xmlns:p="http://schemas.openxmlformats.org/presentationml/2006/main">
-  <p:cSld>
-    <p:spTree>
-      <p:nvGrpSpPr>
-        <p:cNvPr id="1" name=""/>
-        <p:cNvGrpSpPr/>
-        <p:nvPr/>
-      </p:nvGrpSpPr>
-      <p:grpSpPr>
-        <a:xfrm>
-          <a:off x="0" y="0"/>
-          <a:ext cx="0" cy="0"/>
-          <a:chOff x="0" y="0"/>
-          <a:chExt cx="0" cy="0"/>
-        </a:xfrm>
-      </p:grpSpPr>
-      <p:sp>
-        <p:nvSpPr>
-          <p:cNvPr id="4" name="标题 3">
-            <a:extLst>
-              <a:ext uri="{FF2B5EF4-FFF2-40B4-BE49-F238E27FC236}">
-                <a16:creationId xmlns:a16="http://schemas.microsoft.com/office/drawing/2014/main" id="{7E7311EA-0755-4B59-A4F7-7029A2DC2E7F}"/>
-              </a:ext>
-            </a:extLst>
-          </p:cNvPr>
-          <p:cNvSpPr>
-            <a:spLocks noGrp="1"/>
-          </p:cNvSpPr>
-          <p:nvPr>
-            <p:ph type="title"/>
-          </p:nvPr>
-        </p:nvSpPr>
-        <p:spPr>
-          <a:xfrm>
-            <a:off x="838200" y="365125"/>
-            <a:ext cx="10515600" cy="1325563"/>
-          </a:xfrm>
-          <a:prstGeom prst="rect">
-            <a:avLst/>
-          </a:prstGeom>
-        </p:spPr>
-        <p:txBody>
-          <a:bodyPr wrap="square">
-            <a:spAutoFit/>
-          </a:bodyPr>
-          <a:lstStyle/>
-          <a:p>
-            <a:r>
-              <a:rPr lang="zh-CN" altLang="en-US" sz="1400" dirty="0">
-                <a:solidFill>
-                  <a:srgbClr val="333333"/>
-                </a:solidFill>
-                <a:latin typeface="微软雅黑" panose="020B0503020204020204" pitchFamily="34" charset="-122"/>
-                <a:ea typeface="微软雅黑" panose="020B0503020204020204" pitchFamily="34" charset="-122"/>
-              </a:rPr>
-              <a:t>分布式追踪系统发展很快，种类繁多，但核心步骤一般有三个：代码埋点，数据存储、查询展示。</a:t>
-            </a:r>
-            <a:endParaRPr lang="zh-CN" altLang="en-US" sz="1400" dirty="0"/>
-          </a:p>
-        </p:txBody>
-      </p:sp>
-    </p:spTree>
-    <p:extLst>
-      <p:ext uri="{BB962C8B-B14F-4D97-AF65-F5344CB8AC3E}">
-        <p14:creationId xmlns:p14="http://schemas.microsoft.com/office/powerpoint/2010/main" val="3636000636"/>
-      </p:ext>
-    </p:extLst>
-  </p:cSld>
-  <p:clrMapOvr>
-    <a:masterClrMapping/>
-  </p:clrMapOvr>
-</p:sld>
-</file>
-
-<file path=ppt/slides/slide14.xml><?xml version="1.0" encoding="utf-8"?>
+<file path=ppt/slides/slide18.xml><?xml version="1.0" encoding="utf-8"?>
 <p:sld xmlns:a="http://schemas.openxmlformats.org/drawingml/2006/main" xmlns:r="http://schemas.openxmlformats.org/officeDocument/2006/relationships" xmlns:p="http://schemas.openxmlformats.org/presentationml/2006/main">
   <p:cSld>
     <p:spTree>
@@ -6455,526 +6919,6 @@
     <p:extLst>
       <p:ext uri="{BB962C8B-B14F-4D97-AF65-F5344CB8AC3E}">
         <p14:creationId xmlns:p14="http://schemas.microsoft.com/office/powerpoint/2010/main" val="557617677"/>
-      </p:ext>
-    </p:extLst>
-  </p:cSld>
-  <p:clrMapOvr>
-    <a:masterClrMapping/>
-  </p:clrMapOvr>
-</p:sld>
-</file>
-
-<file path=ppt/slides/slide15.xml><?xml version="1.0" encoding="utf-8"?>
-<p:sld xmlns:a="http://schemas.openxmlformats.org/drawingml/2006/main" xmlns:r="http://schemas.openxmlformats.org/officeDocument/2006/relationships" xmlns:p="http://schemas.openxmlformats.org/presentationml/2006/main">
-  <p:cSld>
-    <p:spTree>
-      <p:nvGrpSpPr>
-        <p:cNvPr id="1" name=""/>
-        <p:cNvGrpSpPr/>
-        <p:nvPr/>
-      </p:nvGrpSpPr>
-      <p:grpSpPr>
-        <a:xfrm>
-          <a:off x="0" y="0"/>
-          <a:ext cx="0" cy="0"/>
-          <a:chOff x="0" y="0"/>
-          <a:chExt cx="0" cy="0"/>
-        </a:xfrm>
-      </p:grpSpPr>
-      <p:sp>
-        <p:nvSpPr>
-          <p:cNvPr id="2" name="标题 1">
-            <a:extLst>
-              <a:ext uri="{FF2B5EF4-FFF2-40B4-BE49-F238E27FC236}">
-                <a16:creationId xmlns:a16="http://schemas.microsoft.com/office/drawing/2014/main" id="{BCA4072C-90F5-4B41-A340-FB438545B8E9}"/>
-              </a:ext>
-            </a:extLst>
-          </p:cNvPr>
-          <p:cNvSpPr>
-            <a:spLocks noGrp="1"/>
-          </p:cNvSpPr>
-          <p:nvPr>
-            <p:ph type="title"/>
-          </p:nvPr>
-        </p:nvSpPr>
-        <p:spPr/>
-        <p:txBody>
-          <a:bodyPr/>
-          <a:lstStyle/>
-          <a:p>
-            <a:endParaRPr lang="zh-CN" altLang="en-US"/>
-          </a:p>
-        </p:txBody>
-      </p:sp>
-      <p:sp>
-        <p:nvSpPr>
-          <p:cNvPr id="3" name="内容占位符 2">
-            <a:extLst>
-              <a:ext uri="{FF2B5EF4-FFF2-40B4-BE49-F238E27FC236}">
-                <a16:creationId xmlns:a16="http://schemas.microsoft.com/office/drawing/2014/main" id="{EE9E69CF-E490-411F-BBBC-C394981F9566}"/>
-              </a:ext>
-            </a:extLst>
-          </p:cNvPr>
-          <p:cNvSpPr>
-            <a:spLocks noGrp="1"/>
-          </p:cNvSpPr>
-          <p:nvPr>
-            <p:ph idx="1"/>
-          </p:nvPr>
-        </p:nvSpPr>
-        <p:spPr/>
-        <p:txBody>
-          <a:bodyPr>
-            <a:normAutofit fontScale="77500" lnSpcReduction="20000"/>
-          </a:bodyPr>
-          <a:lstStyle/>
-          <a:p>
-            <a:r>
-              <a:rPr lang="en-US" altLang="zh-CN" dirty="0"/>
-              <a:t>1.Jaeger Client - </a:t>
-            </a:r>
-            <a:r>
-              <a:rPr lang="zh-CN" altLang="en-US" dirty="0"/>
-              <a:t>为不同语言实现了符合 </a:t>
-            </a:r>
-            <a:r>
-              <a:rPr lang="en-US" altLang="zh-CN" dirty="0" err="1"/>
-              <a:t>OpenTracing</a:t>
-            </a:r>
-            <a:r>
-              <a:rPr lang="en-US" altLang="zh-CN" dirty="0"/>
-              <a:t> </a:t>
-            </a:r>
-            <a:r>
-              <a:rPr lang="zh-CN" altLang="en-US" dirty="0"/>
-              <a:t>标准的 </a:t>
-            </a:r>
-            <a:r>
-              <a:rPr lang="en-US" altLang="zh-CN" dirty="0"/>
-              <a:t>SDK</a:t>
-            </a:r>
-            <a:r>
-              <a:rPr lang="zh-CN" altLang="en-US" dirty="0"/>
-              <a:t>。应用程序通过 </a:t>
-            </a:r>
-            <a:r>
-              <a:rPr lang="en-US" altLang="zh-CN" dirty="0"/>
-              <a:t>API </a:t>
-            </a:r>
-            <a:r>
-              <a:rPr lang="zh-CN" altLang="en-US" dirty="0"/>
-              <a:t>写入数据，</a:t>
-            </a:r>
-            <a:r>
-              <a:rPr lang="en-US" altLang="zh-CN" dirty="0"/>
-              <a:t>client library </a:t>
-            </a:r>
-            <a:r>
-              <a:rPr lang="zh-CN" altLang="en-US" dirty="0"/>
-              <a:t>把 </a:t>
-            </a:r>
-            <a:r>
-              <a:rPr lang="en-US" altLang="zh-CN" dirty="0"/>
-              <a:t>trace </a:t>
-            </a:r>
-            <a:r>
-              <a:rPr lang="zh-CN" altLang="en-US" dirty="0"/>
-              <a:t>信息按照应用程序指定的采样策略传递给 </a:t>
-            </a:r>
-            <a:r>
-              <a:rPr lang="en-US" altLang="zh-CN" dirty="0"/>
-              <a:t>jaeger-agent</a:t>
-            </a:r>
-            <a:r>
-              <a:rPr lang="zh-CN" altLang="en-US" dirty="0"/>
-              <a:t>。</a:t>
-            </a:r>
-          </a:p>
-          <a:p>
-            <a:r>
-              <a:rPr lang="zh-CN" altLang="en-US" dirty="0"/>
-              <a:t>　　</a:t>
-            </a:r>
-            <a:r>
-              <a:rPr lang="en-US" altLang="zh-CN" dirty="0"/>
-              <a:t>2.Agent - </a:t>
-            </a:r>
-            <a:r>
-              <a:rPr lang="zh-CN" altLang="en-US" dirty="0"/>
-              <a:t>它是一个监听在 </a:t>
-            </a:r>
-            <a:r>
-              <a:rPr lang="en-US" altLang="zh-CN" dirty="0"/>
-              <a:t>UDP </a:t>
-            </a:r>
-            <a:r>
-              <a:rPr lang="zh-CN" altLang="en-US" dirty="0"/>
-              <a:t>端口上接收 </a:t>
-            </a:r>
-            <a:r>
-              <a:rPr lang="en-US" altLang="zh-CN" dirty="0"/>
-              <a:t>span </a:t>
-            </a:r>
-            <a:r>
-              <a:rPr lang="zh-CN" altLang="en-US" dirty="0"/>
-              <a:t>数据的网络守护进程，它会将数据批量发送给 </a:t>
-            </a:r>
-            <a:r>
-              <a:rPr lang="en-US" altLang="zh-CN" dirty="0"/>
-              <a:t>collector</a:t>
-            </a:r>
-            <a:r>
-              <a:rPr lang="zh-CN" altLang="en-US" dirty="0"/>
-              <a:t>。它被设计成一个基础组件，部署到所有的宿主机上。</a:t>
-            </a:r>
-            <a:r>
-              <a:rPr lang="en-US" altLang="zh-CN" dirty="0"/>
-              <a:t>Agent </a:t>
-            </a:r>
-            <a:r>
-              <a:rPr lang="zh-CN" altLang="en-US" dirty="0"/>
-              <a:t>将 </a:t>
-            </a:r>
-            <a:r>
-              <a:rPr lang="en-US" altLang="zh-CN" dirty="0"/>
-              <a:t>client library </a:t>
-            </a:r>
-            <a:r>
-              <a:rPr lang="zh-CN" altLang="en-US" dirty="0"/>
-              <a:t>和 </a:t>
-            </a:r>
-            <a:r>
-              <a:rPr lang="en-US" altLang="zh-CN" dirty="0"/>
-              <a:t>collector </a:t>
-            </a:r>
-            <a:r>
-              <a:rPr lang="zh-CN" altLang="en-US" dirty="0"/>
-              <a:t>解耦，为 </a:t>
-            </a:r>
-            <a:r>
-              <a:rPr lang="en-US" altLang="zh-CN" dirty="0"/>
-              <a:t>client library </a:t>
-            </a:r>
-            <a:r>
-              <a:rPr lang="zh-CN" altLang="en-US" dirty="0"/>
-              <a:t>屏蔽了路由和发现 </a:t>
-            </a:r>
-            <a:r>
-              <a:rPr lang="en-US" altLang="zh-CN" dirty="0"/>
-              <a:t>collector </a:t>
-            </a:r>
-            <a:r>
-              <a:rPr lang="zh-CN" altLang="en-US" dirty="0"/>
-              <a:t>的细节。</a:t>
-            </a:r>
-          </a:p>
-          <a:p>
-            <a:r>
-              <a:rPr lang="zh-CN" altLang="en-US" dirty="0"/>
-              <a:t>　　</a:t>
-            </a:r>
-            <a:r>
-              <a:rPr lang="en-US" altLang="zh-CN" dirty="0"/>
-              <a:t>3.Collector - </a:t>
-            </a:r>
-            <a:r>
-              <a:rPr lang="zh-CN" altLang="en-US" dirty="0"/>
-              <a:t>接收 </a:t>
-            </a:r>
-            <a:r>
-              <a:rPr lang="en-US" altLang="zh-CN" dirty="0"/>
-              <a:t>jaeger-agent </a:t>
-            </a:r>
-            <a:r>
-              <a:rPr lang="zh-CN" altLang="en-US" dirty="0"/>
-              <a:t>发送来的数据，然后将数据写入后端存储。</a:t>
-            </a:r>
-            <a:r>
-              <a:rPr lang="en-US" altLang="zh-CN" dirty="0"/>
-              <a:t>Collector </a:t>
-            </a:r>
-            <a:r>
-              <a:rPr lang="zh-CN" altLang="en-US" dirty="0"/>
-              <a:t>被设计成无状态的组件，因此您可以同时运行任意数量的 </a:t>
-            </a:r>
-            <a:r>
-              <a:rPr lang="en-US" altLang="zh-CN" dirty="0"/>
-              <a:t>jaeger-collector</a:t>
-            </a:r>
-            <a:r>
-              <a:rPr lang="zh-CN" altLang="en-US" dirty="0"/>
-              <a:t>。</a:t>
-            </a:r>
-          </a:p>
-          <a:p>
-            <a:r>
-              <a:rPr lang="zh-CN" altLang="en-US" dirty="0"/>
-              <a:t>　　</a:t>
-            </a:r>
-            <a:r>
-              <a:rPr lang="en-US" altLang="zh-CN" dirty="0"/>
-              <a:t>4.Data Store - </a:t>
-            </a:r>
-            <a:r>
-              <a:rPr lang="zh-CN" altLang="en-US" dirty="0"/>
-              <a:t>后端存储被设计成一个可插拔的组件，支持将数据写入 </a:t>
-            </a:r>
-            <a:r>
-              <a:rPr lang="en-US" altLang="zh-CN" dirty="0" err="1"/>
-              <a:t>cassandra</a:t>
-            </a:r>
-            <a:r>
-              <a:rPr lang="zh-CN" altLang="en-US" dirty="0"/>
-              <a:t>、</a:t>
-            </a:r>
-            <a:r>
-              <a:rPr lang="en-US" altLang="zh-CN" dirty="0"/>
-              <a:t>elastic search</a:t>
-            </a:r>
-            <a:r>
-              <a:rPr lang="zh-CN" altLang="en-US" dirty="0"/>
-              <a:t>。</a:t>
-            </a:r>
-          </a:p>
-          <a:p>
-            <a:r>
-              <a:rPr lang="zh-CN" altLang="en-US" dirty="0"/>
-              <a:t>　　</a:t>
-            </a:r>
-            <a:r>
-              <a:rPr lang="en-US" altLang="zh-CN" dirty="0"/>
-              <a:t>5.Query - </a:t>
-            </a:r>
-            <a:r>
-              <a:rPr lang="zh-CN" altLang="en-US" dirty="0"/>
-              <a:t>接收查询请求，然后从后端存储系统中检索 </a:t>
-            </a:r>
-            <a:r>
-              <a:rPr lang="en-US" altLang="zh-CN" dirty="0"/>
-              <a:t>trace </a:t>
-            </a:r>
-            <a:r>
-              <a:rPr lang="zh-CN" altLang="en-US" dirty="0"/>
-              <a:t>并通过 </a:t>
-            </a:r>
-            <a:r>
-              <a:rPr lang="en-US" altLang="zh-CN" dirty="0"/>
-              <a:t>UI </a:t>
-            </a:r>
-            <a:r>
-              <a:rPr lang="zh-CN" altLang="en-US" dirty="0"/>
-              <a:t>进行展示。</a:t>
-            </a:r>
-            <a:r>
-              <a:rPr lang="en-US" altLang="zh-CN" dirty="0"/>
-              <a:t>Query </a:t>
-            </a:r>
-            <a:r>
-              <a:rPr lang="zh-CN" altLang="en-US" dirty="0"/>
-              <a:t>是无状态的，您可以启动多个实例，把它们部署在 </a:t>
-            </a:r>
-            <a:r>
-              <a:rPr lang="en-US" altLang="zh-CN" dirty="0" err="1"/>
-              <a:t>nginx</a:t>
-            </a:r>
-            <a:r>
-              <a:rPr lang="en-US" altLang="zh-CN" dirty="0"/>
-              <a:t> </a:t>
-            </a:r>
-            <a:r>
-              <a:rPr lang="zh-CN" altLang="en-US"/>
-              <a:t>这样的负载均衡器后面。</a:t>
-            </a:r>
-          </a:p>
-          <a:p>
-            <a:endParaRPr lang="zh-CN" altLang="en-US"/>
-          </a:p>
-        </p:txBody>
-      </p:sp>
-    </p:spTree>
-    <p:extLst>
-      <p:ext uri="{BB962C8B-B14F-4D97-AF65-F5344CB8AC3E}">
-        <p14:creationId xmlns:p14="http://schemas.microsoft.com/office/powerpoint/2010/main" val="3608791103"/>
-      </p:ext>
-    </p:extLst>
-  </p:cSld>
-  <p:clrMapOvr>
-    <a:masterClrMapping/>
-  </p:clrMapOvr>
-</p:sld>
-</file>
-
-<file path=ppt/slides/slide16.xml><?xml version="1.0" encoding="utf-8"?>
-<p:sld xmlns:a="http://schemas.openxmlformats.org/drawingml/2006/main" xmlns:r="http://schemas.openxmlformats.org/officeDocument/2006/relationships" xmlns:p="http://schemas.openxmlformats.org/presentationml/2006/main">
-  <p:cSld>
-    <p:spTree>
-      <p:nvGrpSpPr>
-        <p:cNvPr id="1" name=""/>
-        <p:cNvGrpSpPr/>
-        <p:nvPr/>
-      </p:nvGrpSpPr>
-      <p:grpSpPr>
-        <a:xfrm>
-          <a:off x="0" y="0"/>
-          <a:ext cx="0" cy="0"/>
-          <a:chOff x="0" y="0"/>
-          <a:chExt cx="0" cy="0"/>
-        </a:xfrm>
-      </p:grpSpPr>
-      <p:pic>
-        <p:nvPicPr>
-          <p:cNvPr id="4" name="图片 3">
-            <a:extLst>
-              <a:ext uri="{FF2B5EF4-FFF2-40B4-BE49-F238E27FC236}">
-                <a16:creationId xmlns:a16="http://schemas.microsoft.com/office/drawing/2014/main" id="{A7E1A72A-E496-414E-8666-FBE56E65CCAB}"/>
-              </a:ext>
-            </a:extLst>
-          </p:cNvPr>
-          <p:cNvPicPr>
-            <a:picLocks noChangeAspect="1"/>
-          </p:cNvPicPr>
-          <p:nvPr/>
-        </p:nvPicPr>
-        <p:blipFill>
-          <a:blip r:embed="rId2"/>
-          <a:stretch>
-            <a:fillRect/>
-          </a:stretch>
-        </p:blipFill>
-        <p:spPr>
-          <a:xfrm>
-            <a:off x="0" y="797958"/>
-            <a:ext cx="12192000" cy="5262083"/>
-          </a:xfrm>
-          <a:prstGeom prst="rect">
-            <a:avLst/>
-          </a:prstGeom>
-        </p:spPr>
-      </p:pic>
-    </p:spTree>
-    <p:extLst>
-      <p:ext uri="{BB962C8B-B14F-4D97-AF65-F5344CB8AC3E}">
-        <p14:creationId xmlns:p14="http://schemas.microsoft.com/office/powerpoint/2010/main" val="3445422617"/>
-      </p:ext>
-    </p:extLst>
-  </p:cSld>
-  <p:clrMapOvr>
-    <a:masterClrMapping/>
-  </p:clrMapOvr>
-</p:sld>
-</file>
-
-<file path=ppt/slides/slide17.xml><?xml version="1.0" encoding="utf-8"?>
-<p:sld xmlns:a="http://schemas.openxmlformats.org/drawingml/2006/main" xmlns:r="http://schemas.openxmlformats.org/officeDocument/2006/relationships" xmlns:p="http://schemas.openxmlformats.org/presentationml/2006/main">
-  <p:cSld>
-    <p:spTree>
-      <p:nvGrpSpPr>
-        <p:cNvPr id="1" name=""/>
-        <p:cNvGrpSpPr/>
-        <p:nvPr/>
-      </p:nvGrpSpPr>
-      <p:grpSpPr>
-        <a:xfrm>
-          <a:off x="0" y="0"/>
-          <a:ext cx="0" cy="0"/>
-          <a:chOff x="0" y="0"/>
-          <a:chExt cx="0" cy="0"/>
-        </a:xfrm>
-      </p:grpSpPr>
-      <p:pic>
-        <p:nvPicPr>
-          <p:cNvPr id="4" name="图片 3">
-            <a:extLst>
-              <a:ext uri="{FF2B5EF4-FFF2-40B4-BE49-F238E27FC236}">
-                <a16:creationId xmlns:a16="http://schemas.microsoft.com/office/drawing/2014/main" id="{0A3D410A-EC85-4AAC-9929-756966DE75BC}"/>
-              </a:ext>
-            </a:extLst>
-          </p:cNvPr>
-          <p:cNvPicPr>
-            <a:picLocks noChangeAspect="1"/>
-          </p:cNvPicPr>
-          <p:nvPr/>
-        </p:nvPicPr>
-        <p:blipFill>
-          <a:blip r:embed="rId2"/>
-          <a:stretch>
-            <a:fillRect/>
-          </a:stretch>
-        </p:blipFill>
-        <p:spPr>
-          <a:xfrm>
-            <a:off x="0" y="642987"/>
-            <a:ext cx="12192000" cy="5572025"/>
-          </a:xfrm>
-          <a:prstGeom prst="rect">
-            <a:avLst/>
-          </a:prstGeom>
-        </p:spPr>
-      </p:pic>
-    </p:spTree>
-    <p:extLst>
-      <p:ext uri="{BB962C8B-B14F-4D97-AF65-F5344CB8AC3E}">
-        <p14:creationId xmlns:p14="http://schemas.microsoft.com/office/powerpoint/2010/main" val="364062192"/>
-      </p:ext>
-    </p:extLst>
-  </p:cSld>
-  <p:clrMapOvr>
-    <a:masterClrMapping/>
-  </p:clrMapOvr>
-</p:sld>
-</file>
-
-<file path=ppt/slides/slide18.xml><?xml version="1.0" encoding="utf-8"?>
-<p:sld xmlns:a="http://schemas.openxmlformats.org/drawingml/2006/main" xmlns:r="http://schemas.openxmlformats.org/officeDocument/2006/relationships" xmlns:p="http://schemas.openxmlformats.org/presentationml/2006/main">
-  <p:cSld>
-    <p:spTree>
-      <p:nvGrpSpPr>
-        <p:cNvPr id="1" name=""/>
-        <p:cNvGrpSpPr/>
-        <p:nvPr/>
-      </p:nvGrpSpPr>
-      <p:grpSpPr>
-        <a:xfrm>
-          <a:off x="0" y="0"/>
-          <a:ext cx="0" cy="0"/>
-          <a:chOff x="0" y="0"/>
-          <a:chExt cx="0" cy="0"/>
-        </a:xfrm>
-      </p:grpSpPr>
-      <p:pic>
-        <p:nvPicPr>
-          <p:cNvPr id="4" name="图片 3">
-            <a:extLst>
-              <a:ext uri="{FF2B5EF4-FFF2-40B4-BE49-F238E27FC236}">
-                <a16:creationId xmlns:a16="http://schemas.microsoft.com/office/drawing/2014/main" id="{199F2421-4880-4150-A503-A39BB03BDD2E}"/>
-              </a:ext>
-            </a:extLst>
-          </p:cNvPr>
-          <p:cNvPicPr>
-            <a:picLocks noChangeAspect="1"/>
-          </p:cNvPicPr>
-          <p:nvPr/>
-        </p:nvPicPr>
-        <p:blipFill>
-          <a:blip r:embed="rId2"/>
-          <a:stretch>
-            <a:fillRect/>
-          </a:stretch>
-        </p:blipFill>
-        <p:spPr>
-          <a:xfrm>
-            <a:off x="2974137" y="0"/>
-            <a:ext cx="6243725" cy="6858000"/>
-          </a:xfrm>
-          <a:prstGeom prst="rect">
-            <a:avLst/>
-          </a:prstGeom>
-        </p:spPr>
-      </p:pic>
-    </p:spTree>
-    <p:extLst>
-      <p:ext uri="{BB962C8B-B14F-4D97-AF65-F5344CB8AC3E}">
-        <p14:creationId xmlns:p14="http://schemas.microsoft.com/office/powerpoint/2010/main" val="145391713"/>
       </p:ext>
     </p:extLst>
   </p:cSld>
@@ -7003,10 +6947,10 @@
       </p:grpSpPr>
       <p:sp>
         <p:nvSpPr>
-          <p:cNvPr id="2" name="标题 1">
-            <a:extLst>
-              <a:ext uri="{FF2B5EF4-FFF2-40B4-BE49-F238E27FC236}">
-                <a16:creationId xmlns:a16="http://schemas.microsoft.com/office/drawing/2014/main" id="{7D960E28-4098-40B3-B425-E5FD2674026B}"/>
+          <p:cNvPr id="3" name="内容占位符 2">
+            <a:extLst>
+              <a:ext uri="{FF2B5EF4-FFF2-40B4-BE49-F238E27FC236}">
+                <a16:creationId xmlns:a16="http://schemas.microsoft.com/office/drawing/2014/main" id="{EE9E69CF-E490-411F-BBBC-C394981F9566}"/>
               </a:ext>
             </a:extLst>
           </p:cNvPr>
@@ -7014,95 +6958,301 @@
             <a:spLocks noGrp="1"/>
           </p:cNvSpPr>
           <p:nvPr>
-            <p:ph type="title"/>
-          </p:nvPr>
-        </p:nvSpPr>
-        <p:spPr/>
-        <p:txBody>
-          <a:bodyPr/>
-          <a:lstStyle/>
-          <a:p>
-            <a:r>
-              <a:rPr lang="zh-CN" altLang="en-US" b="1" dirty="0"/>
-              <a:t>模块构成</a:t>
-            </a:r>
-            <a:br>
-              <a:rPr lang="zh-CN" altLang="en-US" b="1" dirty="0"/>
-            </a:br>
-            <a:endParaRPr lang="zh-CN" altLang="en-US" dirty="0"/>
-          </a:p>
-        </p:txBody>
-      </p:sp>
-      <p:pic>
-        <p:nvPicPr>
-          <p:cNvPr id="4" name="内容占位符 3">
-            <a:extLst>
-              <a:ext uri="{FF2B5EF4-FFF2-40B4-BE49-F238E27FC236}">
-                <a16:creationId xmlns:a16="http://schemas.microsoft.com/office/drawing/2014/main" id="{5989F0E9-B29D-49D2-B0F2-6ED7775DF4B4}"/>
-              </a:ext>
-            </a:extLst>
-          </p:cNvPr>
-          <p:cNvPicPr>
-            <a:picLocks noGrp="1" noChangeAspect="1"/>
-          </p:cNvPicPr>
-          <p:nvPr>
             <p:ph idx="1"/>
           </p:nvPr>
-        </p:nvPicPr>
-        <p:blipFill>
-          <a:blip r:embed="rId2"/>
-          <a:stretch>
-            <a:fillRect/>
-          </a:stretch>
-        </p:blipFill>
-        <p:spPr>
-          <a:xfrm>
-            <a:off x="2391238" y="2282246"/>
-            <a:ext cx="7409524" cy="3438095"/>
-          </a:xfrm>
-          <a:prstGeom prst="rect">
-            <a:avLst/>
-          </a:prstGeom>
-        </p:spPr>
-      </p:pic>
-      <p:sp>
-        <p:nvSpPr>
-          <p:cNvPr id="5" name="矩形 4">
-            <a:extLst>
-              <a:ext uri="{FF2B5EF4-FFF2-40B4-BE49-F238E27FC236}">
-                <a16:creationId xmlns:a16="http://schemas.microsoft.com/office/drawing/2014/main" id="{0A5FD237-EFEB-45F2-86B3-E9084AA3A96E}"/>
-              </a:ext>
-            </a:extLst>
-          </p:cNvPr>
-          <p:cNvSpPr/>
-          <p:nvPr/>
         </p:nvSpPr>
         <p:spPr>
           <a:xfrm>
-            <a:off x="2328909" y="1635915"/>
-            <a:ext cx="6096000" cy="646331"/>
+            <a:off x="838200" y="435006"/>
+            <a:ext cx="10515600" cy="5741957"/>
           </a:xfrm>
-          <a:prstGeom prst="rect">
-            <a:avLst/>
-          </a:prstGeom>
         </p:spPr>
         <p:txBody>
           <a:bodyPr>
-            <a:spAutoFit/>
+            <a:normAutofit fontScale="92500"/>
           </a:bodyPr>
           <a:lstStyle/>
           <a:p>
-            <a:r>
-              <a:rPr lang="zh-CN" altLang="en-US" dirty="0"/>
-              <a:t>http://skywalking.apache.org/zh/blog/2019-03-29-introduction-of-skywalking-and-simple-practice.html</a:t>
-            </a:r>
+            <a:pPr marL="0" indent="0">
+              <a:lnSpc>
+                <a:spcPct val="110000"/>
+              </a:lnSpc>
+              <a:buNone/>
+            </a:pPr>
+            <a:r>
+              <a:rPr lang="en-US" altLang="zh-CN" sz="2400" dirty="0"/>
+              <a:t>1. Jaeger Client - </a:t>
+            </a:r>
+            <a:r>
+              <a:rPr lang="zh-CN" altLang="en-US" sz="2400" dirty="0"/>
+              <a:t>为不同语言实现了符合 </a:t>
+            </a:r>
+            <a:r>
+              <a:rPr lang="en-US" altLang="zh-CN" sz="2400" dirty="0" err="1"/>
+              <a:t>OpenTracing</a:t>
+            </a:r>
+            <a:r>
+              <a:rPr lang="en-US" altLang="zh-CN" sz="2400" dirty="0"/>
+              <a:t> </a:t>
+            </a:r>
+            <a:r>
+              <a:rPr lang="zh-CN" altLang="en-US" sz="2400" dirty="0"/>
+              <a:t>标准的 </a:t>
+            </a:r>
+            <a:r>
+              <a:rPr lang="en-US" altLang="zh-CN" sz="2400" dirty="0"/>
+              <a:t>SDK</a:t>
+            </a:r>
+            <a:r>
+              <a:rPr lang="zh-CN" altLang="en-US" sz="2400" dirty="0"/>
+              <a:t>。应用程序通过 </a:t>
+            </a:r>
+            <a:r>
+              <a:rPr lang="en-US" altLang="zh-CN" sz="2400" dirty="0"/>
+              <a:t>API </a:t>
+            </a:r>
+            <a:r>
+              <a:rPr lang="zh-CN" altLang="en-US" sz="2400" dirty="0"/>
+              <a:t>写入数据，</a:t>
+            </a:r>
+            <a:r>
+              <a:rPr lang="en-US" altLang="zh-CN" sz="2400" dirty="0"/>
+              <a:t>client library </a:t>
+            </a:r>
+            <a:r>
+              <a:rPr lang="zh-CN" altLang="en-US" sz="2400" dirty="0"/>
+              <a:t>把 </a:t>
+            </a:r>
+            <a:r>
+              <a:rPr lang="en-US" altLang="zh-CN" sz="2400" dirty="0"/>
+              <a:t>trace </a:t>
+            </a:r>
+            <a:r>
+              <a:rPr lang="zh-CN" altLang="en-US" sz="2400" dirty="0"/>
+              <a:t>信息按照应用程序指定的采样策略传递给 </a:t>
+            </a:r>
+            <a:r>
+              <a:rPr lang="en-US" altLang="zh-CN" sz="2400" dirty="0"/>
+              <a:t>jaeger-agent</a:t>
+            </a:r>
+            <a:r>
+              <a:rPr lang="zh-CN" altLang="en-US" sz="2400" dirty="0"/>
+              <a:t>。</a:t>
+            </a:r>
+          </a:p>
+          <a:p>
+            <a:pPr marL="0" indent="0">
+              <a:lnSpc>
+                <a:spcPct val="110000"/>
+              </a:lnSpc>
+              <a:buNone/>
+            </a:pPr>
+            <a:r>
+              <a:rPr lang="en-US" altLang="zh-CN" sz="2400" dirty="0"/>
+              <a:t>2. Agent - </a:t>
+            </a:r>
+            <a:r>
+              <a:rPr lang="zh-CN" altLang="en-US" sz="2400" dirty="0"/>
+              <a:t>它是一个监听在 </a:t>
+            </a:r>
+            <a:r>
+              <a:rPr lang="en-US" altLang="zh-CN" sz="2400" dirty="0"/>
+              <a:t>UDP </a:t>
+            </a:r>
+            <a:r>
+              <a:rPr lang="zh-CN" altLang="en-US" sz="2400" dirty="0"/>
+              <a:t>端口上接收 </a:t>
+            </a:r>
+            <a:r>
+              <a:rPr lang="en-US" altLang="zh-CN" sz="2400" dirty="0"/>
+              <a:t>span </a:t>
+            </a:r>
+            <a:r>
+              <a:rPr lang="zh-CN" altLang="en-US" sz="2400" dirty="0"/>
+              <a:t>数据的网络守护进程，它会将数据批量发送给 </a:t>
+            </a:r>
+            <a:r>
+              <a:rPr lang="en-US" altLang="zh-CN" sz="2400" dirty="0"/>
+              <a:t>collector</a:t>
+            </a:r>
+            <a:r>
+              <a:rPr lang="zh-CN" altLang="en-US" sz="2400" dirty="0"/>
+              <a:t>。它被设计成一个基础组件，部署到所有的宿主机上。</a:t>
+            </a:r>
+            <a:r>
+              <a:rPr lang="en-US" altLang="zh-CN" sz="2400" dirty="0"/>
+              <a:t>Agent </a:t>
+            </a:r>
+            <a:r>
+              <a:rPr lang="zh-CN" altLang="en-US" sz="2400" dirty="0"/>
+              <a:t>将 </a:t>
+            </a:r>
+            <a:r>
+              <a:rPr lang="en-US" altLang="zh-CN" sz="2400" dirty="0"/>
+              <a:t>client library </a:t>
+            </a:r>
+            <a:r>
+              <a:rPr lang="zh-CN" altLang="en-US" sz="2400" dirty="0"/>
+              <a:t>和 </a:t>
+            </a:r>
+            <a:r>
+              <a:rPr lang="en-US" altLang="zh-CN" sz="2400" dirty="0"/>
+              <a:t>collector </a:t>
+            </a:r>
+            <a:r>
+              <a:rPr lang="zh-CN" altLang="en-US" sz="2400" dirty="0"/>
+              <a:t>解耦，为 </a:t>
+            </a:r>
+            <a:r>
+              <a:rPr lang="en-US" altLang="zh-CN" sz="2400" dirty="0"/>
+              <a:t>client library </a:t>
+            </a:r>
+            <a:r>
+              <a:rPr lang="zh-CN" altLang="en-US" sz="2400" dirty="0"/>
+              <a:t>屏蔽了路由和发现 </a:t>
+            </a:r>
+            <a:r>
+              <a:rPr lang="en-US" altLang="zh-CN" sz="2400" dirty="0"/>
+              <a:t>collector </a:t>
+            </a:r>
+            <a:r>
+              <a:rPr lang="zh-CN" altLang="en-US" sz="2400" dirty="0"/>
+              <a:t>的细节。</a:t>
+            </a:r>
+          </a:p>
+          <a:p>
+            <a:pPr marL="0" indent="0">
+              <a:lnSpc>
+                <a:spcPct val="110000"/>
+              </a:lnSpc>
+              <a:buNone/>
+            </a:pPr>
+            <a:r>
+              <a:rPr lang="en-US" altLang="zh-CN" sz="2400" dirty="0"/>
+              <a:t>3. Collector - </a:t>
+            </a:r>
+            <a:r>
+              <a:rPr lang="zh-CN" altLang="en-US" sz="2400" dirty="0"/>
+              <a:t>接收 </a:t>
+            </a:r>
+            <a:r>
+              <a:rPr lang="en-US" altLang="zh-CN" sz="2400" dirty="0"/>
+              <a:t>jaeger-agent </a:t>
+            </a:r>
+            <a:r>
+              <a:rPr lang="zh-CN" altLang="en-US" sz="2400" dirty="0"/>
+              <a:t>发送来的数据，然后将数据写入后端存储。</a:t>
+            </a:r>
+            <a:r>
+              <a:rPr lang="en-US" altLang="zh-CN" sz="2400" dirty="0"/>
+              <a:t>Collector </a:t>
+            </a:r>
+            <a:r>
+              <a:rPr lang="zh-CN" altLang="en-US" sz="2400" dirty="0"/>
+              <a:t>被设计成无状态的组件，因此您可以同时运行任意数量的 </a:t>
+            </a:r>
+            <a:r>
+              <a:rPr lang="en-US" altLang="zh-CN" sz="2400" dirty="0"/>
+              <a:t>jaeger-collector</a:t>
+            </a:r>
+            <a:r>
+              <a:rPr lang="zh-CN" altLang="en-US" sz="2400" dirty="0"/>
+              <a:t>。</a:t>
+            </a:r>
+          </a:p>
+          <a:p>
+            <a:pPr marL="0" indent="0">
+              <a:lnSpc>
+                <a:spcPct val="110000"/>
+              </a:lnSpc>
+              <a:buNone/>
+            </a:pPr>
+            <a:r>
+              <a:rPr lang="en-US" altLang="zh-CN" sz="2400" dirty="0"/>
+              <a:t>4. Data Store - </a:t>
+            </a:r>
+            <a:r>
+              <a:rPr lang="zh-CN" altLang="en-US" sz="2400" dirty="0"/>
+              <a:t>后端存储被设计成一个可插拔的组件，支持将数据写入 </a:t>
+            </a:r>
+            <a:r>
+              <a:rPr lang="en-US" altLang="zh-CN" sz="2400" dirty="0" err="1"/>
+              <a:t>cassandra</a:t>
+            </a:r>
+            <a:r>
+              <a:rPr lang="zh-CN" altLang="en-US" sz="2400" dirty="0"/>
+              <a:t>、</a:t>
+            </a:r>
+            <a:r>
+              <a:rPr lang="en-US" altLang="zh-CN" sz="2400" dirty="0"/>
+              <a:t>elastic search</a:t>
+            </a:r>
+            <a:r>
+              <a:rPr lang="zh-CN" altLang="en-US" sz="2400" dirty="0"/>
+              <a:t>。</a:t>
+            </a:r>
+          </a:p>
+          <a:p>
+            <a:pPr marL="0" indent="0">
+              <a:lnSpc>
+                <a:spcPct val="110000"/>
+              </a:lnSpc>
+              <a:buNone/>
+            </a:pPr>
+            <a:r>
+              <a:rPr lang="en-US" altLang="zh-CN" sz="2400" dirty="0"/>
+              <a:t>5. Query - </a:t>
+            </a:r>
+            <a:r>
+              <a:rPr lang="zh-CN" altLang="en-US" sz="2400" dirty="0"/>
+              <a:t>接收查询请求，然后从后端存储系统中检索 </a:t>
+            </a:r>
+            <a:r>
+              <a:rPr lang="en-US" altLang="zh-CN" sz="2400" dirty="0"/>
+              <a:t>trace </a:t>
+            </a:r>
+            <a:r>
+              <a:rPr lang="zh-CN" altLang="en-US" sz="2400" dirty="0"/>
+              <a:t>并通过 </a:t>
+            </a:r>
+            <a:r>
+              <a:rPr lang="en-US" altLang="zh-CN" sz="2400" dirty="0"/>
+              <a:t>UI </a:t>
+            </a:r>
+            <a:r>
+              <a:rPr lang="zh-CN" altLang="en-US" sz="2400" dirty="0"/>
+              <a:t>进行展示。</a:t>
+            </a:r>
+            <a:r>
+              <a:rPr lang="en-US" altLang="zh-CN" sz="2400" dirty="0"/>
+              <a:t>Query </a:t>
+            </a:r>
+            <a:r>
+              <a:rPr lang="zh-CN" altLang="en-US" sz="2400" dirty="0"/>
+              <a:t>是无状态的，您可以启动多个实例，把它们部署在 </a:t>
+            </a:r>
+            <a:r>
+              <a:rPr lang="en-US" altLang="zh-CN" sz="2400" dirty="0" err="1"/>
+              <a:t>nginx</a:t>
+            </a:r>
+            <a:r>
+              <a:rPr lang="en-US" altLang="zh-CN" sz="2400" dirty="0"/>
+              <a:t> </a:t>
+            </a:r>
+            <a:r>
+              <a:rPr lang="zh-CN" altLang="en-US" sz="2400" dirty="0"/>
+              <a:t>这样的负载均衡器后面。</a:t>
+            </a:r>
+          </a:p>
+          <a:p>
+            <a:endParaRPr lang="zh-CN" altLang="en-US" dirty="0"/>
           </a:p>
         </p:txBody>
       </p:sp>
     </p:spTree>
     <p:extLst>
       <p:ext uri="{BB962C8B-B14F-4D97-AF65-F5344CB8AC3E}">
-        <p14:creationId xmlns:p14="http://schemas.microsoft.com/office/powerpoint/2010/main" val="2349631878"/>
+        <p14:creationId xmlns:p14="http://schemas.microsoft.com/office/powerpoint/2010/main" val="3608791103"/>
       </p:ext>
     </p:extLst>
   </p:cSld>
@@ -7331,6 +7481,1000 @@
           <p:cNvPr id="2" name="标题 1">
             <a:extLst>
               <a:ext uri="{FF2B5EF4-FFF2-40B4-BE49-F238E27FC236}">
+                <a16:creationId xmlns:a16="http://schemas.microsoft.com/office/drawing/2014/main" id="{4711CFD4-6C1E-49E4-A6DE-E3ED352AE39F}"/>
+              </a:ext>
+            </a:extLst>
+          </p:cNvPr>
+          <p:cNvSpPr>
+            <a:spLocks noGrp="1"/>
+          </p:cNvSpPr>
+          <p:nvPr>
+            <p:ph type="title"/>
+          </p:nvPr>
+        </p:nvSpPr>
+        <p:spPr/>
+        <p:txBody>
+          <a:bodyPr/>
+          <a:lstStyle/>
+          <a:p>
+            <a:r>
+              <a:rPr lang="en-US" altLang="zh-CN" dirty="0"/>
+              <a:t>Jaeger</a:t>
+            </a:r>
+            <a:r>
+              <a:rPr lang="zh-CN" altLang="en-US" dirty="0"/>
+              <a:t>监控</a:t>
+            </a:r>
+          </a:p>
+        </p:txBody>
+      </p:sp>
+      <p:sp>
+        <p:nvSpPr>
+          <p:cNvPr id="3" name="内容占位符 2">
+            <a:extLst>
+              <a:ext uri="{FF2B5EF4-FFF2-40B4-BE49-F238E27FC236}">
+                <a16:creationId xmlns:a16="http://schemas.microsoft.com/office/drawing/2014/main" id="{C5D82222-DEBD-46C0-8A60-86FABCEBE21A}"/>
+              </a:ext>
+            </a:extLst>
+          </p:cNvPr>
+          <p:cNvSpPr>
+            <a:spLocks noGrp="1"/>
+          </p:cNvSpPr>
+          <p:nvPr>
+            <p:ph idx="1"/>
+          </p:nvPr>
+        </p:nvSpPr>
+        <p:spPr>
+          <a:xfrm>
+            <a:off x="838200" y="1459298"/>
+            <a:ext cx="10515600" cy="4854190"/>
+          </a:xfrm>
+        </p:spPr>
+        <p:txBody>
+          <a:bodyPr>
+            <a:normAutofit/>
+          </a:bodyPr>
+          <a:lstStyle/>
+          <a:p>
+            <a:endParaRPr lang="en-US" altLang="zh-CN" sz="1200" dirty="0"/>
+          </a:p>
+          <a:p>
+            <a:r>
+              <a:rPr lang="zh-CN" altLang="en-US" sz="1200" dirty="0"/>
+              <a:t>开启</a:t>
+            </a:r>
+            <a:r>
+              <a:rPr lang="en-US" altLang="zh-CN" sz="1200" dirty="0" err="1"/>
+              <a:t>metricsFactory</a:t>
+            </a:r>
+            <a:r>
+              <a:rPr lang="en-US" altLang="zh-CN" sz="1200" dirty="0"/>
+              <a:t> := </a:t>
+            </a:r>
+            <a:r>
+              <a:rPr lang="en-US" altLang="zh-CN" sz="1200" dirty="0" err="1"/>
+              <a:t>prometheus.New</a:t>
+            </a:r>
+            <a:r>
+              <a:rPr lang="en-US" altLang="zh-CN" sz="1200" dirty="0"/>
+              <a:t>().Namespace(</a:t>
+            </a:r>
+            <a:r>
+              <a:rPr lang="en-US" altLang="zh-CN" sz="1200" dirty="0" err="1"/>
+              <a:t>metrics.NSOptions</a:t>
+            </a:r>
+            <a:r>
+              <a:rPr lang="en-US" altLang="zh-CN" sz="1200" dirty="0"/>
+              <a:t>{Name: named, Tags: nil})</a:t>
+            </a:r>
+          </a:p>
+          <a:p>
+            <a:r>
+              <a:rPr lang="en-US" altLang="zh-CN" sz="1200" dirty="0" err="1"/>
+              <a:t>config.Metrics</a:t>
+            </a:r>
+            <a:r>
+              <a:rPr lang="en-US" altLang="zh-CN" sz="1200" dirty="0"/>
+              <a:t>(</a:t>
+            </a:r>
+            <a:r>
+              <a:rPr lang="en-US" altLang="zh-CN" sz="1200" dirty="0" err="1"/>
+              <a:t>metricsFactory</a:t>
+            </a:r>
+            <a:r>
+              <a:rPr lang="en-US" altLang="zh-CN" sz="1200" dirty="0"/>
+              <a:t>),</a:t>
+            </a:r>
+          </a:p>
+          <a:p>
+            <a:r>
+              <a:rPr lang="en-US" altLang="zh-CN" sz="1200" dirty="0"/>
+              <a:t>jaeger-collector 14269  /metrics</a:t>
+            </a:r>
+          </a:p>
+          <a:p>
+            <a:r>
+              <a:rPr lang="zh-CN" altLang="en-US" sz="1200" dirty="0"/>
+              <a:t>当队列满时新的</a:t>
+            </a:r>
+            <a:r>
+              <a:rPr lang="en-US" altLang="zh-CN" sz="1200" dirty="0"/>
+              <a:t>span</a:t>
+            </a:r>
+            <a:r>
+              <a:rPr lang="zh-CN" altLang="en-US" sz="1200" dirty="0"/>
+              <a:t>会丢弃</a:t>
+            </a:r>
+            <a:endParaRPr lang="en-US" altLang="zh-CN" sz="1200" dirty="0"/>
+          </a:p>
+          <a:p>
+            <a:r>
+              <a:rPr lang="zh-CN" altLang="en-US" sz="1200" dirty="0"/>
+              <a:t>指标：</a:t>
+            </a:r>
+            <a:r>
+              <a:rPr lang="en-US" altLang="zh-CN" sz="1200" dirty="0" err="1"/>
+              <a:t>jaeger_tracer_reporter_spans_total</a:t>
+            </a:r>
+            <a:r>
+              <a:rPr lang="en-US" altLang="zh-CN" sz="1200" dirty="0"/>
+              <a:t>{result="dropped",}</a:t>
+            </a:r>
+          </a:p>
+          <a:p>
+            <a:r>
+              <a:rPr lang="zh-CN" altLang="en-US" sz="1200" dirty="0"/>
+              <a:t>当前队列长度</a:t>
+            </a:r>
+            <a:endParaRPr lang="en-US" altLang="zh-CN" sz="1200" dirty="0"/>
+          </a:p>
+          <a:p>
+            <a:r>
+              <a:rPr lang="zh-CN" altLang="en-US" sz="1200" dirty="0"/>
+              <a:t>指标：</a:t>
+            </a:r>
+            <a:r>
+              <a:rPr lang="en-US" altLang="zh-CN" sz="1200" dirty="0" err="1"/>
+              <a:t>jaeger_tracer_reporter_queue_length</a:t>
+            </a:r>
+            <a:endParaRPr lang="zh-CN" altLang="en-US" sz="1200" dirty="0"/>
+          </a:p>
+        </p:txBody>
+      </p:sp>
+      <p:sp>
+        <p:nvSpPr>
+          <p:cNvPr id="6" name="Rectangle 3">
+            <a:extLst>
+              <a:ext uri="{FF2B5EF4-FFF2-40B4-BE49-F238E27FC236}">
+                <a16:creationId xmlns:a16="http://schemas.microsoft.com/office/drawing/2014/main" id="{915029B9-43FB-4CBC-B56D-C0A56AFD1F8A}"/>
+              </a:ext>
+            </a:extLst>
+          </p:cNvPr>
+          <p:cNvSpPr>
+            <a:spLocks noChangeArrowheads="1"/>
+          </p:cNvSpPr>
+          <p:nvPr/>
+        </p:nvSpPr>
+        <p:spPr bwMode="auto">
+          <a:xfrm>
+            <a:off x="949911" y="4140354"/>
+            <a:ext cx="12192000" cy="457200"/>
+          </a:xfrm>
+          <a:prstGeom prst="rect">
+            <a:avLst/>
+          </a:prstGeom>
+          <a:solidFill>
+            <a:srgbClr val="FFFFFF"/>
+          </a:solidFill>
+          <a:ln>
+            <a:noFill/>
+          </a:ln>
+          <a:effectLst/>
+          <a:extLst>
+            <a:ext uri="{91240B29-F687-4F45-9708-019B960494DF}">
+              <a14:hiddenLine xmlns:a14="http://schemas.microsoft.com/office/drawing/2010/main" w="9525">
+                <a:solidFill>
+                  <a:schemeClr val="tx1"/>
+                </a:solidFill>
+                <a:miter lim="800000"/>
+                <a:headEnd/>
+                <a:tailEnd/>
+              </a14:hiddenLine>
+            </a:ext>
+            <a:ext uri="{AF507438-7753-43E0-B8FC-AC1667EBCBE1}">
+              <a14:hiddenEffects xmlns:a14="http://schemas.microsoft.com/office/drawing/2010/main">
+                <a:effectLst>
+                  <a:outerShdw dist="35921" dir="2700000" algn="ctr" rotWithShape="0">
+                    <a:schemeClr val="bg2"/>
+                  </a:outerShdw>
+                </a:effectLst>
+              </a14:hiddenEffects>
+            </a:ext>
+          </a:extLst>
+        </p:spPr>
+        <p:txBody>
+          <a:bodyPr vert="horz" wrap="none" lIns="91440" tIns="45720" rIns="91440" bIns="45720" numCol="1" anchor="ctr" anchorCtr="0" compatLnSpc="1">
+            <a:prstTxWarp prst="textNoShape">
+              <a:avLst/>
+            </a:prstTxWarp>
+            <a:spAutoFit/>
+          </a:bodyPr>
+          <a:lstStyle/>
+          <a:p>
+            <a:pPr marL="0" marR="0" lvl="0" indent="0" algn="l" defTabSz="914400" rtl="0" eaLnBrk="0" fontAlgn="base" latinLnBrk="0" hangingPunct="0">
+              <a:lnSpc>
+                <a:spcPct val="100000"/>
+              </a:lnSpc>
+              <a:spcBef>
+                <a:spcPct val="0"/>
+              </a:spcBef>
+              <a:spcAft>
+                <a:spcPct val="0"/>
+              </a:spcAft>
+              <a:buClrTx/>
+              <a:buSzTx/>
+              <a:buFontTx/>
+              <a:buNone/>
+              <a:tabLst/>
+            </a:pPr>
+            <a:r>
+              <a:rPr kumimoji="0" lang="zh-CN" altLang="zh-CN" sz="900" b="0" i="0" u="none" strike="noStrike" cap="none" normalizeH="0" baseline="0" dirty="0">
+                <a:ln>
+                  <a:noFill/>
+                </a:ln>
+                <a:solidFill>
+                  <a:srgbClr val="0000FF"/>
+                </a:solidFill>
+                <a:effectLst/>
+                <a:latin typeface="Courier New" panose="02070309020205020404" pitchFamily="49" charset="0"/>
+                <a:cs typeface="Courier New" panose="02070309020205020404" pitchFamily="49" charset="0"/>
+              </a:rPr>
+              <a:t>go func</a:t>
+            </a:r>
+            <a:r>
+              <a:rPr kumimoji="0" lang="zh-CN" altLang="zh-CN" sz="900" b="0" i="0" u="none" strike="noStrike" cap="none" normalizeH="0" baseline="0" dirty="0">
+                <a:ln>
+                  <a:noFill/>
+                </a:ln>
+                <a:solidFill>
+                  <a:srgbClr val="121314"/>
+                </a:solidFill>
+                <a:effectLst/>
+                <a:latin typeface="Courier New" panose="02070309020205020404" pitchFamily="49" charset="0"/>
+                <a:cs typeface="Courier New" panose="02070309020205020404" pitchFamily="49" charset="0"/>
+              </a:rPr>
+              <a:t>() {</a:t>
+            </a:r>
+            <a:br>
+              <a:rPr kumimoji="0" lang="zh-CN" altLang="zh-CN" sz="900" b="0" i="0" u="none" strike="noStrike" cap="none" normalizeH="0" baseline="0" dirty="0">
+                <a:ln>
+                  <a:noFill/>
+                </a:ln>
+                <a:solidFill>
+                  <a:srgbClr val="121314"/>
+                </a:solidFill>
+                <a:effectLst/>
+                <a:latin typeface="Courier New" panose="02070309020205020404" pitchFamily="49" charset="0"/>
+                <a:cs typeface="Courier New" panose="02070309020205020404" pitchFamily="49" charset="0"/>
+              </a:rPr>
+            </a:br>
+            <a:r>
+              <a:rPr kumimoji="0" lang="zh-CN" altLang="zh-CN" sz="900" b="0" i="0" u="none" strike="noStrike" cap="none" normalizeH="0" baseline="0" dirty="0">
+                <a:ln>
+                  <a:noFill/>
+                </a:ln>
+                <a:solidFill>
+                  <a:srgbClr val="121314"/>
+                </a:solidFill>
+                <a:effectLst/>
+                <a:latin typeface="Courier New" panose="02070309020205020404" pitchFamily="49" charset="0"/>
+                <a:cs typeface="Courier New" panose="02070309020205020404" pitchFamily="49" charset="0"/>
+              </a:rPr>
+              <a:t>   </a:t>
+            </a:r>
+            <a:r>
+              <a:rPr kumimoji="0" lang="zh-CN" altLang="zh-CN" sz="900" b="0" i="0" u="none" strike="noStrike" cap="none" normalizeH="0" baseline="0" dirty="0">
+                <a:ln>
+                  <a:noFill/>
+                </a:ln>
+                <a:solidFill>
+                  <a:srgbClr val="008000"/>
+                </a:solidFill>
+                <a:effectLst/>
+                <a:latin typeface="Courier New" panose="02070309020205020404" pitchFamily="49" charset="0"/>
+                <a:cs typeface="Courier New" panose="02070309020205020404" pitchFamily="49" charset="0"/>
+              </a:rPr>
+              <a:t>// Register Prometheus metrics handler.</a:t>
+            </a:r>
+            <a:br>
+              <a:rPr kumimoji="0" lang="zh-CN" altLang="zh-CN" sz="900" b="0" i="0" u="none" strike="noStrike" cap="none" normalizeH="0" baseline="0" dirty="0">
+                <a:ln>
+                  <a:noFill/>
+                </a:ln>
+                <a:solidFill>
+                  <a:srgbClr val="008000"/>
+                </a:solidFill>
+                <a:effectLst/>
+                <a:latin typeface="Courier New" panose="02070309020205020404" pitchFamily="49" charset="0"/>
+                <a:cs typeface="Courier New" panose="02070309020205020404" pitchFamily="49" charset="0"/>
+              </a:rPr>
+            </a:br>
+            <a:r>
+              <a:rPr kumimoji="0" lang="zh-CN" altLang="zh-CN" sz="900" b="0" i="0" u="none" strike="noStrike" cap="none" normalizeH="0" baseline="0" dirty="0">
+                <a:ln>
+                  <a:noFill/>
+                </a:ln>
+                <a:solidFill>
+                  <a:srgbClr val="008000"/>
+                </a:solidFill>
+                <a:effectLst/>
+                <a:latin typeface="Courier New" panose="02070309020205020404" pitchFamily="49" charset="0"/>
+                <a:cs typeface="Courier New" panose="02070309020205020404" pitchFamily="49" charset="0"/>
+              </a:rPr>
+              <a:t>    </a:t>
+            </a:r>
+            <a:r>
+              <a:rPr kumimoji="0" lang="zh-CN" altLang="zh-CN" sz="900" b="0" i="0" u="none" strike="noStrike" cap="none" normalizeH="0" baseline="0" dirty="0">
+                <a:ln>
+                  <a:noFill/>
+                </a:ln>
+                <a:solidFill>
+                  <a:srgbClr val="805900"/>
+                </a:solidFill>
+                <a:effectLst/>
+                <a:latin typeface="Courier New" panose="02070309020205020404" pitchFamily="49" charset="0"/>
+                <a:cs typeface="Courier New" panose="02070309020205020404" pitchFamily="49" charset="0"/>
+              </a:rPr>
+              <a:t>http</a:t>
+            </a:r>
+            <a:r>
+              <a:rPr kumimoji="0" lang="zh-CN" altLang="zh-CN" sz="900" b="0" i="0" u="none" strike="noStrike" cap="none" normalizeH="0" baseline="0" dirty="0">
+                <a:ln>
+                  <a:noFill/>
+                </a:ln>
+                <a:solidFill>
+                  <a:srgbClr val="121314"/>
+                </a:solidFill>
+                <a:effectLst/>
+                <a:latin typeface="Courier New" panose="02070309020205020404" pitchFamily="49" charset="0"/>
+                <a:cs typeface="Courier New" panose="02070309020205020404" pitchFamily="49" charset="0"/>
+              </a:rPr>
+              <a:t>.</a:t>
+            </a:r>
+            <a:r>
+              <a:rPr kumimoji="0" lang="zh-CN" altLang="zh-CN" sz="900" b="0" i="0" u="none" strike="noStrike" cap="none" normalizeH="0" baseline="0" dirty="0">
+                <a:ln>
+                  <a:noFill/>
+                </a:ln>
+                <a:solidFill>
+                  <a:srgbClr val="36666B"/>
+                </a:solidFill>
+                <a:effectLst/>
+                <a:latin typeface="Courier New" panose="02070309020205020404" pitchFamily="49" charset="0"/>
+                <a:cs typeface="Courier New" panose="02070309020205020404" pitchFamily="49" charset="0"/>
+              </a:rPr>
+              <a:t>Handle</a:t>
+            </a:r>
+            <a:r>
+              <a:rPr kumimoji="0" lang="zh-CN" altLang="zh-CN" sz="900" b="0" i="0" u="none" strike="noStrike" cap="none" normalizeH="0" baseline="0" dirty="0">
+                <a:ln>
+                  <a:noFill/>
+                </a:ln>
+                <a:solidFill>
+                  <a:srgbClr val="121314"/>
+                </a:solidFill>
+                <a:effectLst/>
+                <a:latin typeface="Courier New" panose="02070309020205020404" pitchFamily="49" charset="0"/>
+                <a:cs typeface="Courier New" panose="02070309020205020404" pitchFamily="49" charset="0"/>
+              </a:rPr>
+              <a:t>(</a:t>
+            </a:r>
+            <a:r>
+              <a:rPr kumimoji="0" lang="zh-CN" altLang="zh-CN" sz="900" b="0" i="0" u="none" strike="noStrike" cap="none" normalizeH="0" baseline="0" dirty="0">
+                <a:ln>
+                  <a:noFill/>
+                </a:ln>
+                <a:solidFill>
+                  <a:srgbClr val="A31515"/>
+                </a:solidFill>
+                <a:effectLst/>
+                <a:latin typeface="Courier New" panose="02070309020205020404" pitchFamily="49" charset="0"/>
+                <a:cs typeface="Courier New" panose="02070309020205020404" pitchFamily="49" charset="0"/>
+              </a:rPr>
+              <a:t>"/metrics"</a:t>
+            </a:r>
+            <a:r>
+              <a:rPr kumimoji="0" lang="zh-CN" altLang="zh-CN" sz="900" b="0" i="0" u="none" strike="noStrike" cap="none" normalizeH="0" baseline="0" dirty="0">
+                <a:ln>
+                  <a:noFill/>
+                </a:ln>
+                <a:solidFill>
+                  <a:srgbClr val="121314"/>
+                </a:solidFill>
+                <a:effectLst/>
+                <a:latin typeface="Courier New" panose="02070309020205020404" pitchFamily="49" charset="0"/>
+                <a:cs typeface="Courier New" panose="02070309020205020404" pitchFamily="49" charset="0"/>
+              </a:rPr>
+              <a:t>, </a:t>
+            </a:r>
+            <a:r>
+              <a:rPr kumimoji="0" lang="zh-CN" altLang="zh-CN" sz="900" b="0" i="0" u="none" strike="noStrike" cap="none" normalizeH="0" baseline="0" dirty="0">
+                <a:ln>
+                  <a:noFill/>
+                </a:ln>
+                <a:solidFill>
+                  <a:srgbClr val="805900"/>
+                </a:solidFill>
+                <a:effectLst/>
+                <a:latin typeface="Courier New" panose="02070309020205020404" pitchFamily="49" charset="0"/>
+                <a:cs typeface="Courier New" panose="02070309020205020404" pitchFamily="49" charset="0"/>
+              </a:rPr>
+              <a:t>promhttp</a:t>
+            </a:r>
+            <a:r>
+              <a:rPr kumimoji="0" lang="zh-CN" altLang="zh-CN" sz="900" b="0" i="0" u="none" strike="noStrike" cap="none" normalizeH="0" baseline="0" dirty="0">
+                <a:ln>
+                  <a:noFill/>
+                </a:ln>
+                <a:solidFill>
+                  <a:srgbClr val="121314"/>
+                </a:solidFill>
+                <a:effectLst/>
+                <a:latin typeface="Courier New" panose="02070309020205020404" pitchFamily="49" charset="0"/>
+                <a:cs typeface="Courier New" panose="02070309020205020404" pitchFamily="49" charset="0"/>
+              </a:rPr>
+              <a:t>.</a:t>
+            </a:r>
+            <a:r>
+              <a:rPr kumimoji="0" lang="zh-CN" altLang="zh-CN" sz="900" b="0" i="0" u="none" strike="noStrike" cap="none" normalizeH="0" baseline="0" dirty="0">
+                <a:ln>
+                  <a:noFill/>
+                </a:ln>
+                <a:solidFill>
+                  <a:srgbClr val="36666B"/>
+                </a:solidFill>
+                <a:effectLst/>
+                <a:latin typeface="Courier New" panose="02070309020205020404" pitchFamily="49" charset="0"/>
+                <a:cs typeface="Courier New" panose="02070309020205020404" pitchFamily="49" charset="0"/>
+              </a:rPr>
+              <a:t>Handler</a:t>
+            </a:r>
+            <a:r>
+              <a:rPr kumimoji="0" lang="zh-CN" altLang="zh-CN" sz="900" b="0" i="0" u="none" strike="noStrike" cap="none" normalizeH="0" baseline="0" dirty="0">
+                <a:ln>
+                  <a:noFill/>
+                </a:ln>
+                <a:solidFill>
+                  <a:srgbClr val="121314"/>
+                </a:solidFill>
+                <a:effectLst/>
+                <a:latin typeface="Courier New" panose="02070309020205020404" pitchFamily="49" charset="0"/>
+                <a:cs typeface="Courier New" panose="02070309020205020404" pitchFamily="49" charset="0"/>
+              </a:rPr>
+              <a:t>())</a:t>
+            </a:r>
+            <a:br>
+              <a:rPr kumimoji="0" lang="zh-CN" altLang="zh-CN" sz="900" b="0" i="0" u="none" strike="noStrike" cap="none" normalizeH="0" baseline="0" dirty="0">
+                <a:ln>
+                  <a:noFill/>
+                </a:ln>
+                <a:solidFill>
+                  <a:srgbClr val="121314"/>
+                </a:solidFill>
+                <a:effectLst/>
+                <a:latin typeface="Courier New" panose="02070309020205020404" pitchFamily="49" charset="0"/>
+                <a:cs typeface="Courier New" panose="02070309020205020404" pitchFamily="49" charset="0"/>
+              </a:rPr>
+            </a:br>
+            <a:r>
+              <a:rPr kumimoji="0" lang="zh-CN" altLang="zh-CN" sz="900" b="0" i="0" u="none" strike="noStrike" cap="none" normalizeH="0" baseline="0" dirty="0">
+                <a:ln>
+                  <a:noFill/>
+                </a:ln>
+                <a:solidFill>
+                  <a:srgbClr val="121314"/>
+                </a:solidFill>
+                <a:effectLst/>
+                <a:latin typeface="Courier New" panose="02070309020205020404" pitchFamily="49" charset="0"/>
+                <a:cs typeface="Courier New" panose="02070309020205020404" pitchFamily="49" charset="0"/>
+              </a:rPr>
+              <a:t>    </a:t>
+            </a:r>
+            <a:r>
+              <a:rPr kumimoji="0" lang="zh-CN" altLang="zh-CN" sz="900" b="0" i="0" u="none" strike="noStrike" cap="none" normalizeH="0" baseline="0" dirty="0">
+                <a:ln>
+                  <a:noFill/>
+                </a:ln>
+                <a:solidFill>
+                  <a:srgbClr val="805900"/>
+                </a:solidFill>
+                <a:effectLst/>
+                <a:latin typeface="Courier New" panose="02070309020205020404" pitchFamily="49" charset="0"/>
+                <a:cs typeface="Courier New" panose="02070309020205020404" pitchFamily="49" charset="0"/>
+              </a:rPr>
+              <a:t>http</a:t>
+            </a:r>
+            <a:r>
+              <a:rPr kumimoji="0" lang="zh-CN" altLang="zh-CN" sz="900" b="0" i="0" u="none" strike="noStrike" cap="none" normalizeH="0" baseline="0" dirty="0">
+                <a:ln>
+                  <a:noFill/>
+                </a:ln>
+                <a:solidFill>
+                  <a:srgbClr val="121314"/>
+                </a:solidFill>
+                <a:effectLst/>
+                <a:latin typeface="Courier New" panose="02070309020205020404" pitchFamily="49" charset="0"/>
+                <a:cs typeface="Courier New" panose="02070309020205020404" pitchFamily="49" charset="0"/>
+              </a:rPr>
+              <a:t>.</a:t>
+            </a:r>
+            <a:r>
+              <a:rPr kumimoji="0" lang="zh-CN" altLang="zh-CN" sz="900" b="0" i="0" u="none" strike="noStrike" cap="none" normalizeH="0" baseline="0" dirty="0">
+                <a:ln>
+                  <a:noFill/>
+                </a:ln>
+                <a:solidFill>
+                  <a:srgbClr val="36666B"/>
+                </a:solidFill>
+                <a:effectLst/>
+                <a:latin typeface="Courier New" panose="02070309020205020404" pitchFamily="49" charset="0"/>
+                <a:cs typeface="Courier New" panose="02070309020205020404" pitchFamily="49" charset="0"/>
+              </a:rPr>
+              <a:t>ListenAndServe</a:t>
+            </a:r>
+            <a:r>
+              <a:rPr kumimoji="0" lang="zh-CN" altLang="zh-CN" sz="900" b="0" i="0" u="none" strike="noStrike" cap="none" normalizeH="0" baseline="0" dirty="0">
+                <a:ln>
+                  <a:noFill/>
+                </a:ln>
+                <a:solidFill>
+                  <a:srgbClr val="121314"/>
+                </a:solidFill>
+                <a:effectLst/>
+                <a:latin typeface="Courier New" panose="02070309020205020404" pitchFamily="49" charset="0"/>
+                <a:cs typeface="Courier New" panose="02070309020205020404" pitchFamily="49" charset="0"/>
+              </a:rPr>
+              <a:t>(</a:t>
+            </a:r>
+            <a:r>
+              <a:rPr kumimoji="0" lang="zh-CN" altLang="zh-CN" sz="900" b="0" i="0" u="none" strike="noStrike" cap="none" normalizeH="0" baseline="0" dirty="0">
+                <a:ln>
+                  <a:noFill/>
+                </a:ln>
+                <a:solidFill>
+                  <a:srgbClr val="A31515"/>
+                </a:solidFill>
+                <a:effectLst/>
+                <a:latin typeface="Courier New" panose="02070309020205020404" pitchFamily="49" charset="0"/>
+                <a:cs typeface="Courier New" panose="02070309020205020404" pitchFamily="49" charset="0"/>
+              </a:rPr>
+              <a:t>":8081"</a:t>
+            </a:r>
+            <a:r>
+              <a:rPr kumimoji="0" lang="zh-CN" altLang="zh-CN" sz="900" b="0" i="0" u="none" strike="noStrike" cap="none" normalizeH="0" baseline="0" dirty="0">
+                <a:ln>
+                  <a:noFill/>
+                </a:ln>
+                <a:solidFill>
+                  <a:srgbClr val="121314"/>
+                </a:solidFill>
+                <a:effectLst/>
+                <a:latin typeface="Courier New" panose="02070309020205020404" pitchFamily="49" charset="0"/>
+                <a:cs typeface="Courier New" panose="02070309020205020404" pitchFamily="49" charset="0"/>
+              </a:rPr>
+              <a:t>, </a:t>
+            </a:r>
+            <a:r>
+              <a:rPr kumimoji="0" lang="zh-CN" altLang="zh-CN" sz="900" b="0" i="0" u="none" strike="noStrike" cap="none" normalizeH="0" baseline="0" dirty="0">
+                <a:ln>
+                  <a:noFill/>
+                </a:ln>
+                <a:solidFill>
+                  <a:srgbClr val="002FA6"/>
+                </a:solidFill>
+                <a:effectLst/>
+                <a:latin typeface="Courier New" panose="02070309020205020404" pitchFamily="49" charset="0"/>
+                <a:cs typeface="Courier New" panose="02070309020205020404" pitchFamily="49" charset="0"/>
+              </a:rPr>
+              <a:t>nil</a:t>
+            </a:r>
+            <a:r>
+              <a:rPr kumimoji="0" lang="zh-CN" altLang="zh-CN" sz="900" b="0" i="0" u="none" strike="noStrike" cap="none" normalizeH="0" baseline="0" dirty="0">
+                <a:ln>
+                  <a:noFill/>
+                </a:ln>
+                <a:solidFill>
+                  <a:srgbClr val="121314"/>
+                </a:solidFill>
+                <a:effectLst/>
+                <a:latin typeface="Courier New" panose="02070309020205020404" pitchFamily="49" charset="0"/>
+                <a:cs typeface="Courier New" panose="02070309020205020404" pitchFamily="49" charset="0"/>
+              </a:rPr>
+              <a:t>)</a:t>
+            </a:r>
+            <a:br>
+              <a:rPr kumimoji="0" lang="zh-CN" altLang="zh-CN" sz="900" b="0" i="0" u="none" strike="noStrike" cap="none" normalizeH="0" baseline="0" dirty="0">
+                <a:ln>
+                  <a:noFill/>
+                </a:ln>
+                <a:solidFill>
+                  <a:srgbClr val="121314"/>
+                </a:solidFill>
+                <a:effectLst/>
+                <a:latin typeface="Courier New" panose="02070309020205020404" pitchFamily="49" charset="0"/>
+                <a:cs typeface="Courier New" panose="02070309020205020404" pitchFamily="49" charset="0"/>
+              </a:rPr>
+            </a:br>
+            <a:r>
+              <a:rPr kumimoji="0" lang="zh-CN" altLang="zh-CN" sz="900" b="0" i="0" u="none" strike="noStrike" cap="none" normalizeH="0" baseline="0" dirty="0">
+                <a:ln>
+                  <a:noFill/>
+                </a:ln>
+                <a:solidFill>
+                  <a:srgbClr val="121314"/>
+                </a:solidFill>
+                <a:effectLst/>
+                <a:latin typeface="Courier New" panose="02070309020205020404" pitchFamily="49" charset="0"/>
+                <a:cs typeface="Courier New" panose="02070309020205020404" pitchFamily="49" charset="0"/>
+              </a:rPr>
+              <a:t>}()</a:t>
+            </a:r>
+            <a:endParaRPr kumimoji="0" lang="zh-CN" altLang="zh-CN" sz="1800" b="0" i="0" u="none" strike="noStrike" cap="none" normalizeH="0" baseline="0" dirty="0">
+              <a:ln>
+                <a:noFill/>
+              </a:ln>
+              <a:solidFill>
+                <a:schemeClr val="tx1"/>
+              </a:solidFill>
+              <a:effectLst/>
+              <a:latin typeface="Arial" panose="020B0604020202020204" pitchFamily="34" charset="0"/>
+            </a:endParaRPr>
+          </a:p>
+        </p:txBody>
+      </p:sp>
+    </p:spTree>
+    <p:extLst>
+      <p:ext uri="{BB962C8B-B14F-4D97-AF65-F5344CB8AC3E}">
+        <p14:creationId xmlns:p14="http://schemas.microsoft.com/office/powerpoint/2010/main" val="554422072"/>
+      </p:ext>
+    </p:extLst>
+  </p:cSld>
+  <p:clrMapOvr>
+    <a:masterClrMapping/>
+  </p:clrMapOvr>
+</p:sld>
+</file>
+
+<file path=ppt/slides/slide21.xml><?xml version="1.0" encoding="utf-8"?>
+<p:sld xmlns:a="http://schemas.openxmlformats.org/drawingml/2006/main" xmlns:r="http://schemas.openxmlformats.org/officeDocument/2006/relationships" xmlns:p="http://schemas.openxmlformats.org/presentationml/2006/main">
+  <p:cSld>
+    <p:spTree>
+      <p:nvGrpSpPr>
+        <p:cNvPr id="1" name=""/>
+        <p:cNvGrpSpPr/>
+        <p:nvPr/>
+      </p:nvGrpSpPr>
+      <p:grpSpPr>
+        <a:xfrm>
+          <a:off x="0" y="0"/>
+          <a:ext cx="0" cy="0"/>
+          <a:chOff x="0" y="0"/>
+          <a:chExt cx="0" cy="0"/>
+        </a:xfrm>
+      </p:grpSpPr>
+      <p:pic>
+        <p:nvPicPr>
+          <p:cNvPr id="4" name="图片 3">
+            <a:extLst>
+              <a:ext uri="{FF2B5EF4-FFF2-40B4-BE49-F238E27FC236}">
+                <a16:creationId xmlns:a16="http://schemas.microsoft.com/office/drawing/2014/main" id="{A7E1A72A-E496-414E-8666-FBE56E65CCAB}"/>
+              </a:ext>
+            </a:extLst>
+          </p:cNvPr>
+          <p:cNvPicPr>
+            <a:picLocks noChangeAspect="1"/>
+          </p:cNvPicPr>
+          <p:nvPr/>
+        </p:nvPicPr>
+        <p:blipFill>
+          <a:blip r:embed="rId2"/>
+          <a:stretch>
+            <a:fillRect/>
+          </a:stretch>
+        </p:blipFill>
+        <p:spPr>
+          <a:xfrm>
+            <a:off x="0" y="797958"/>
+            <a:ext cx="12192000" cy="5262083"/>
+          </a:xfrm>
+          <a:prstGeom prst="rect">
+            <a:avLst/>
+          </a:prstGeom>
+        </p:spPr>
+      </p:pic>
+    </p:spTree>
+    <p:extLst>
+      <p:ext uri="{BB962C8B-B14F-4D97-AF65-F5344CB8AC3E}">
+        <p14:creationId xmlns:p14="http://schemas.microsoft.com/office/powerpoint/2010/main" val="3445422617"/>
+      </p:ext>
+    </p:extLst>
+  </p:cSld>
+  <p:clrMapOvr>
+    <a:masterClrMapping/>
+  </p:clrMapOvr>
+</p:sld>
+</file>
+
+<file path=ppt/slides/slide22.xml><?xml version="1.0" encoding="utf-8"?>
+<p:sld xmlns:a="http://schemas.openxmlformats.org/drawingml/2006/main" xmlns:r="http://schemas.openxmlformats.org/officeDocument/2006/relationships" xmlns:p="http://schemas.openxmlformats.org/presentationml/2006/main">
+  <p:cSld>
+    <p:spTree>
+      <p:nvGrpSpPr>
+        <p:cNvPr id="1" name=""/>
+        <p:cNvGrpSpPr/>
+        <p:nvPr/>
+      </p:nvGrpSpPr>
+      <p:grpSpPr>
+        <a:xfrm>
+          <a:off x="0" y="0"/>
+          <a:ext cx="0" cy="0"/>
+          <a:chOff x="0" y="0"/>
+          <a:chExt cx="0" cy="0"/>
+        </a:xfrm>
+      </p:grpSpPr>
+      <p:pic>
+        <p:nvPicPr>
+          <p:cNvPr id="4" name="图片 3">
+            <a:extLst>
+              <a:ext uri="{FF2B5EF4-FFF2-40B4-BE49-F238E27FC236}">
+                <a16:creationId xmlns:a16="http://schemas.microsoft.com/office/drawing/2014/main" id="{0A3D410A-EC85-4AAC-9929-756966DE75BC}"/>
+              </a:ext>
+            </a:extLst>
+          </p:cNvPr>
+          <p:cNvPicPr>
+            <a:picLocks noChangeAspect="1"/>
+          </p:cNvPicPr>
+          <p:nvPr/>
+        </p:nvPicPr>
+        <p:blipFill>
+          <a:blip r:embed="rId2"/>
+          <a:stretch>
+            <a:fillRect/>
+          </a:stretch>
+        </p:blipFill>
+        <p:spPr>
+          <a:xfrm>
+            <a:off x="0" y="642987"/>
+            <a:ext cx="12192000" cy="5572025"/>
+          </a:xfrm>
+          <a:prstGeom prst="rect">
+            <a:avLst/>
+          </a:prstGeom>
+        </p:spPr>
+      </p:pic>
+    </p:spTree>
+    <p:extLst>
+      <p:ext uri="{BB962C8B-B14F-4D97-AF65-F5344CB8AC3E}">
+        <p14:creationId xmlns:p14="http://schemas.microsoft.com/office/powerpoint/2010/main" val="364062192"/>
+      </p:ext>
+    </p:extLst>
+  </p:cSld>
+  <p:clrMapOvr>
+    <a:masterClrMapping/>
+  </p:clrMapOvr>
+</p:sld>
+</file>
+
+<file path=ppt/slides/slide23.xml><?xml version="1.0" encoding="utf-8"?>
+<p:sld xmlns:a="http://schemas.openxmlformats.org/drawingml/2006/main" xmlns:r="http://schemas.openxmlformats.org/officeDocument/2006/relationships" xmlns:p="http://schemas.openxmlformats.org/presentationml/2006/main">
+  <p:cSld>
+    <p:spTree>
+      <p:nvGrpSpPr>
+        <p:cNvPr id="1" name=""/>
+        <p:cNvGrpSpPr/>
+        <p:nvPr/>
+      </p:nvGrpSpPr>
+      <p:grpSpPr>
+        <a:xfrm>
+          <a:off x="0" y="0"/>
+          <a:ext cx="0" cy="0"/>
+          <a:chOff x="0" y="0"/>
+          <a:chExt cx="0" cy="0"/>
+        </a:xfrm>
+      </p:grpSpPr>
+      <p:pic>
+        <p:nvPicPr>
+          <p:cNvPr id="4" name="图片 3">
+            <a:extLst>
+              <a:ext uri="{FF2B5EF4-FFF2-40B4-BE49-F238E27FC236}">
+                <a16:creationId xmlns:a16="http://schemas.microsoft.com/office/drawing/2014/main" id="{199F2421-4880-4150-A503-A39BB03BDD2E}"/>
+              </a:ext>
+            </a:extLst>
+          </p:cNvPr>
+          <p:cNvPicPr>
+            <a:picLocks noChangeAspect="1"/>
+          </p:cNvPicPr>
+          <p:nvPr/>
+        </p:nvPicPr>
+        <p:blipFill>
+          <a:blip r:embed="rId2"/>
+          <a:stretch>
+            <a:fillRect/>
+          </a:stretch>
+        </p:blipFill>
+        <p:spPr>
+          <a:xfrm>
+            <a:off x="2974137" y="0"/>
+            <a:ext cx="6243725" cy="6858000"/>
+          </a:xfrm>
+          <a:prstGeom prst="rect">
+            <a:avLst/>
+          </a:prstGeom>
+        </p:spPr>
+      </p:pic>
+    </p:spTree>
+    <p:extLst>
+      <p:ext uri="{BB962C8B-B14F-4D97-AF65-F5344CB8AC3E}">
+        <p14:creationId xmlns:p14="http://schemas.microsoft.com/office/powerpoint/2010/main" val="145391713"/>
+      </p:ext>
+    </p:extLst>
+  </p:cSld>
+  <p:clrMapOvr>
+    <a:masterClrMapping/>
+  </p:clrMapOvr>
+</p:sld>
+</file>
+
+<file path=ppt/slides/slide24.xml><?xml version="1.0" encoding="utf-8"?>
+<p:sld xmlns:a="http://schemas.openxmlformats.org/drawingml/2006/main" xmlns:r="http://schemas.openxmlformats.org/officeDocument/2006/relationships" xmlns:p="http://schemas.openxmlformats.org/presentationml/2006/main">
+  <p:cSld>
+    <p:spTree>
+      <p:nvGrpSpPr>
+        <p:cNvPr id="1" name=""/>
+        <p:cNvGrpSpPr/>
+        <p:nvPr/>
+      </p:nvGrpSpPr>
+      <p:grpSpPr>
+        <a:xfrm>
+          <a:off x="0" y="0"/>
+          <a:ext cx="0" cy="0"/>
+          <a:chOff x="0" y="0"/>
+          <a:chExt cx="0" cy="0"/>
+        </a:xfrm>
+      </p:grpSpPr>
+      <p:sp>
+        <p:nvSpPr>
+          <p:cNvPr id="2" name="标题 1">
+            <a:extLst>
+              <a:ext uri="{FF2B5EF4-FFF2-40B4-BE49-F238E27FC236}">
+                <a16:creationId xmlns:a16="http://schemas.microsoft.com/office/drawing/2014/main" id="{7D960E28-4098-40B3-B425-E5FD2674026B}"/>
+              </a:ext>
+            </a:extLst>
+          </p:cNvPr>
+          <p:cNvSpPr>
+            <a:spLocks noGrp="1"/>
+          </p:cNvSpPr>
+          <p:nvPr>
+            <p:ph type="title"/>
+          </p:nvPr>
+        </p:nvSpPr>
+        <p:spPr/>
+        <p:txBody>
+          <a:bodyPr/>
+          <a:lstStyle/>
+          <a:p>
+            <a:r>
+              <a:rPr lang="zh-CN" altLang="en-US" b="1" dirty="0"/>
+              <a:t>模块构成</a:t>
+            </a:r>
+            <a:br>
+              <a:rPr lang="zh-CN" altLang="en-US" b="1" dirty="0"/>
+            </a:br>
+            <a:endParaRPr lang="zh-CN" altLang="en-US" dirty="0"/>
+          </a:p>
+        </p:txBody>
+      </p:sp>
+      <p:pic>
+        <p:nvPicPr>
+          <p:cNvPr id="4" name="内容占位符 3">
+            <a:extLst>
+              <a:ext uri="{FF2B5EF4-FFF2-40B4-BE49-F238E27FC236}">
+                <a16:creationId xmlns:a16="http://schemas.microsoft.com/office/drawing/2014/main" id="{5989F0E9-B29D-49D2-B0F2-6ED7775DF4B4}"/>
+              </a:ext>
+            </a:extLst>
+          </p:cNvPr>
+          <p:cNvPicPr>
+            <a:picLocks noGrp="1" noChangeAspect="1"/>
+          </p:cNvPicPr>
+          <p:nvPr>
+            <p:ph idx="1"/>
+          </p:nvPr>
+        </p:nvPicPr>
+        <p:blipFill>
+          <a:blip r:embed="rId2"/>
+          <a:stretch>
+            <a:fillRect/>
+          </a:stretch>
+        </p:blipFill>
+        <p:spPr>
+          <a:xfrm>
+            <a:off x="2391238" y="2282246"/>
+            <a:ext cx="7409524" cy="3438095"/>
+          </a:xfrm>
+          <a:prstGeom prst="rect">
+            <a:avLst/>
+          </a:prstGeom>
+        </p:spPr>
+      </p:pic>
+      <p:sp>
+        <p:nvSpPr>
+          <p:cNvPr id="5" name="矩形 4">
+            <a:extLst>
+              <a:ext uri="{FF2B5EF4-FFF2-40B4-BE49-F238E27FC236}">
+                <a16:creationId xmlns:a16="http://schemas.microsoft.com/office/drawing/2014/main" id="{0A5FD237-EFEB-45F2-86B3-E9084AA3A96E}"/>
+              </a:ext>
+            </a:extLst>
+          </p:cNvPr>
+          <p:cNvSpPr/>
+          <p:nvPr/>
+        </p:nvSpPr>
+        <p:spPr>
+          <a:xfrm>
+            <a:off x="2328909" y="1635915"/>
+            <a:ext cx="6096000" cy="646331"/>
+          </a:xfrm>
+          <a:prstGeom prst="rect">
+            <a:avLst/>
+          </a:prstGeom>
+        </p:spPr>
+        <p:txBody>
+          <a:bodyPr>
+            <a:spAutoFit/>
+          </a:bodyPr>
+          <a:lstStyle/>
+          <a:p>
+            <a:r>
+              <a:rPr lang="zh-CN" altLang="en-US" dirty="0"/>
+              <a:t>http://skywalking.apache.org/zh/blog/2019-03-29-introduction-of-skywalking-and-simple-practice.html</a:t>
+            </a:r>
+          </a:p>
+        </p:txBody>
+      </p:sp>
+    </p:spTree>
+    <p:extLst>
+      <p:ext uri="{BB962C8B-B14F-4D97-AF65-F5344CB8AC3E}">
+        <p14:creationId xmlns:p14="http://schemas.microsoft.com/office/powerpoint/2010/main" val="2349631878"/>
+      </p:ext>
+    </p:extLst>
+  </p:cSld>
+  <p:clrMapOvr>
+    <a:masterClrMapping/>
+  </p:clrMapOvr>
+</p:sld>
+</file>
+
+<file path=ppt/slides/slide25.xml><?xml version="1.0" encoding="utf-8"?>
+<p:sld xmlns:a="http://schemas.openxmlformats.org/drawingml/2006/main" xmlns:r="http://schemas.openxmlformats.org/officeDocument/2006/relationships" xmlns:p="http://schemas.openxmlformats.org/presentationml/2006/main">
+  <p:cSld>
+    <p:spTree>
+      <p:nvGrpSpPr>
+        <p:cNvPr id="1" name=""/>
+        <p:cNvGrpSpPr/>
+        <p:nvPr/>
+      </p:nvGrpSpPr>
+      <p:grpSpPr>
+        <a:xfrm>
+          <a:off x="0" y="0"/>
+          <a:ext cx="0" cy="0"/>
+          <a:chOff x="0" y="0"/>
+          <a:chExt cx="0" cy="0"/>
+        </a:xfrm>
+      </p:grpSpPr>
+      <p:sp>
+        <p:nvSpPr>
+          <p:cNvPr id="2" name="标题 1">
+            <a:extLst>
+              <a:ext uri="{FF2B5EF4-FFF2-40B4-BE49-F238E27FC236}">
                 <a16:creationId xmlns:a16="http://schemas.microsoft.com/office/drawing/2014/main" id="{B6C54411-A60C-45B5-90F7-73D8D6F16D5F}"/>
               </a:ext>
             </a:extLst>
@@ -7400,7 +8544,7 @@
 </p:sld>
 </file>
 
-<file path=ppt/slides/slide21.xml><?xml version="1.0" encoding="utf-8"?>
+<file path=ppt/slides/slide26.xml><?xml version="1.0" encoding="utf-8"?>
 <p:sld xmlns:a="http://schemas.openxmlformats.org/drawingml/2006/main" xmlns:r="http://schemas.openxmlformats.org/officeDocument/2006/relationships" xmlns:p="http://schemas.openxmlformats.org/presentationml/2006/main">
   <p:cSld>
     <p:spTree>
@@ -7460,7 +8604,7 @@
 </p:sld>
 </file>
 
-<file path=ppt/slides/slide22.xml><?xml version="1.0" encoding="utf-8"?>
+<file path=ppt/slides/slide3.xml><?xml version="1.0" encoding="utf-8"?>
 <p:sld xmlns:a="http://schemas.openxmlformats.org/drawingml/2006/main" xmlns:r="http://schemas.openxmlformats.org/officeDocument/2006/relationships" xmlns:p="http://schemas.openxmlformats.org/presentationml/2006/main">
   <p:cSld>
     <p:spTree>
@@ -7482,7 +8626,7 @@
           <p:cNvPr id="2" name="标题 1">
             <a:extLst>
               <a:ext uri="{FF2B5EF4-FFF2-40B4-BE49-F238E27FC236}">
-                <a16:creationId xmlns:a16="http://schemas.microsoft.com/office/drawing/2014/main" id="{3A1AD810-BE92-4147-AAF5-971D49BA8767}"/>
+                <a16:creationId xmlns:a16="http://schemas.microsoft.com/office/drawing/2014/main" id="{48196284-AD0A-4277-8A4B-E8DD9D886D44}"/>
               </a:ext>
             </a:extLst>
           </p:cNvPr>
@@ -7495,14 +8639,23 @@
         </p:nvSpPr>
         <p:spPr/>
         <p:txBody>
-          <a:bodyPr/>
+          <a:bodyPr>
+            <a:normAutofit/>
+          </a:bodyPr>
           <a:lstStyle/>
           <a:p>
-            <a:r>
-              <a:rPr lang="en-US" altLang="zh-CN" dirty="0"/>
-              <a:t>Dapper</a:t>
-            </a:r>
-            <a:endParaRPr lang="zh-CN" altLang="en-US" dirty="0"/>
+            <a:pPr algn="ctr"/>
+            <a:r>
+              <a:rPr lang="zh-CN" altLang="en-US" sz="1800" b="1" dirty="0">
+                <a:solidFill>
+                  <a:srgbClr val="AB1942"/>
+                </a:solidFill>
+                <a:latin typeface="-apple-system-font"/>
+                <a:ea typeface="+mn-ea"/>
+                <a:cs typeface="+mn-cs"/>
+              </a:rPr>
+              <a:t>使用分布式追踪系统监控服务有以下好处</a:t>
+            </a:r>
           </a:p>
         </p:txBody>
       </p:sp>
@@ -7511,7 +8664,7 @@
           <p:cNvPr id="3" name="内容占位符 2">
             <a:extLst>
               <a:ext uri="{FF2B5EF4-FFF2-40B4-BE49-F238E27FC236}">
-                <a16:creationId xmlns:a16="http://schemas.microsoft.com/office/drawing/2014/main" id="{F2C7F9DB-C1BE-405C-B427-FB4448BD5262}"/>
+                <a16:creationId xmlns:a16="http://schemas.microsoft.com/office/drawing/2014/main" id="{872EE82B-AB5C-4081-85F5-96825F7953F2}"/>
               </a:ext>
             </a:extLst>
           </p:cNvPr>
@@ -7528,274 +8681,6 @@
           <a:lstStyle/>
           <a:p>
             <a:r>
-              <a:rPr lang="en-US" altLang="zh-CN" dirty="0">
-                <a:hlinkClick r:id="rId2"/>
-              </a:rPr>
-              <a:t>https://blog.csdn.net/liumiaocn/article/details/80657661</a:t>
-            </a:r>
-            <a:endParaRPr lang="en-US" altLang="zh-CN" dirty="0"/>
-          </a:p>
-          <a:p>
-            <a:r>
-              <a:rPr lang="en-US" altLang="zh-CN" dirty="0">
-                <a:hlinkClick r:id="rId3"/>
-              </a:rPr>
-              <a:t>https://github.com/opentracing/specification/blob/master/specification.md</a:t>
-            </a:r>
-            <a:endParaRPr lang="en-US" altLang="zh-CN" dirty="0"/>
-          </a:p>
-          <a:p>
-            <a:r>
-              <a:rPr lang="en-US" altLang="zh-CN" dirty="0">
-                <a:hlinkClick r:id="rId4"/>
-              </a:rPr>
-              <a:t>https://cloud.tencent.com/developer/article/1083086</a:t>
-            </a:r>
-            <a:endParaRPr lang="en-US" altLang="zh-CN" dirty="0"/>
-          </a:p>
-          <a:p>
-            <a:r>
-              <a:rPr lang="en-US" altLang="zh-CN" dirty="0"/>
-              <a:t>https://cloud.tencent.com/developer/article/1347919</a:t>
-            </a:r>
-            <a:endParaRPr lang="zh-CN" altLang="en-US" dirty="0"/>
-          </a:p>
-        </p:txBody>
-      </p:sp>
-    </p:spTree>
-    <p:extLst>
-      <p:ext uri="{BB962C8B-B14F-4D97-AF65-F5344CB8AC3E}">
-        <p14:creationId xmlns:p14="http://schemas.microsoft.com/office/powerpoint/2010/main" val="2338257417"/>
-      </p:ext>
-    </p:extLst>
-  </p:cSld>
-  <p:clrMapOvr>
-    <a:masterClrMapping/>
-  </p:clrMapOvr>
-</p:sld>
-</file>
-
-<file path=ppt/slides/slide23.xml><?xml version="1.0" encoding="utf-8"?>
-<p:sld xmlns:a="http://schemas.openxmlformats.org/drawingml/2006/main" xmlns:r="http://schemas.openxmlformats.org/officeDocument/2006/relationships" xmlns:p="http://schemas.openxmlformats.org/presentationml/2006/main">
-  <p:cSld>
-    <p:spTree>
-      <p:nvGrpSpPr>
-        <p:cNvPr id="1" name=""/>
-        <p:cNvGrpSpPr/>
-        <p:nvPr/>
-      </p:nvGrpSpPr>
-      <p:grpSpPr>
-        <a:xfrm>
-          <a:off x="0" y="0"/>
-          <a:ext cx="0" cy="0"/>
-          <a:chOff x="0" y="0"/>
-          <a:chExt cx="0" cy="0"/>
-        </a:xfrm>
-      </p:grpSpPr>
-      <p:sp>
-        <p:nvSpPr>
-          <p:cNvPr id="2" name="标题 1">
-            <a:extLst>
-              <a:ext uri="{FF2B5EF4-FFF2-40B4-BE49-F238E27FC236}">
-                <a16:creationId xmlns:a16="http://schemas.microsoft.com/office/drawing/2014/main" id="{97383277-74EE-4768-853C-55F2A2513DE3}"/>
-              </a:ext>
-            </a:extLst>
-          </p:cNvPr>
-          <p:cNvSpPr>
-            <a:spLocks noGrp="1"/>
-          </p:cNvSpPr>
-          <p:nvPr>
-            <p:ph type="title"/>
-          </p:nvPr>
-        </p:nvSpPr>
-        <p:spPr/>
-        <p:txBody>
-          <a:bodyPr/>
-          <a:lstStyle/>
-          <a:p>
-            <a:r>
-              <a:rPr lang="zh-CN" altLang="en-US" dirty="0"/>
-              <a:t>一、 前言什么是</a:t>
-            </a:r>
-            <a:r>
-              <a:rPr lang="en-US" altLang="zh-CN" dirty="0" err="1"/>
-              <a:t>OpenTracing</a:t>
-            </a:r>
-            <a:r>
-              <a:rPr lang="en-US" altLang="zh-CN" dirty="0"/>
-              <a:t>?</a:t>
-            </a:r>
-            <a:endParaRPr lang="zh-CN" altLang="en-US" dirty="0"/>
-          </a:p>
-        </p:txBody>
-      </p:sp>
-      <p:sp>
-        <p:nvSpPr>
-          <p:cNvPr id="3" name="内容占位符 2">
-            <a:extLst>
-              <a:ext uri="{FF2B5EF4-FFF2-40B4-BE49-F238E27FC236}">
-                <a16:creationId xmlns:a16="http://schemas.microsoft.com/office/drawing/2014/main" id="{98BFBECF-73E4-45AB-8DBE-642FDC418D22}"/>
-              </a:ext>
-            </a:extLst>
-          </p:cNvPr>
-          <p:cNvSpPr>
-            <a:spLocks noGrp="1"/>
-          </p:cNvSpPr>
-          <p:nvPr>
-            <p:ph idx="1"/>
-          </p:nvPr>
-        </p:nvSpPr>
-        <p:spPr/>
-        <p:txBody>
-          <a:bodyPr>
-            <a:normAutofit/>
-          </a:bodyPr>
-          <a:lstStyle/>
-          <a:p>
-            <a:r>
-              <a:rPr lang="en-US" altLang="zh-CN" dirty="0" err="1"/>
-              <a:t>OpenTracing</a:t>
-            </a:r>
-            <a:r>
-              <a:rPr lang="en-US" altLang="zh-CN" dirty="0"/>
-              <a:t>(http://opentracing.io/)</a:t>
-            </a:r>
-            <a:r>
-              <a:rPr lang="zh-CN" altLang="en-US" dirty="0"/>
-              <a:t>是分布式跟踪系统，当我们把系统拆成服务化，分布式系统的时候，查询一个问题，很可能需要多个登录多台机器。</a:t>
-            </a:r>
-            <a:r>
-              <a:rPr lang="en-US" altLang="zh-CN" dirty="0" err="1"/>
-              <a:t>OpenTracing</a:t>
-            </a:r>
-            <a:r>
-              <a:rPr lang="zh-CN" altLang="en-US" dirty="0"/>
-              <a:t>通过提供平台无关、厂商无关的</a:t>
-            </a:r>
-            <a:r>
-              <a:rPr lang="en-US" altLang="zh-CN" dirty="0"/>
-              <a:t>API</a:t>
-            </a:r>
-            <a:r>
-              <a:rPr lang="zh-CN" altLang="en-US" dirty="0"/>
-              <a:t>，使得开发人员能够方便的添加（或更换）追踪系统的实现。</a:t>
-            </a:r>
-            <a:r>
-              <a:rPr lang="en-US" altLang="zh-CN" dirty="0" err="1"/>
-              <a:t>OpenTracing</a:t>
-            </a:r>
-            <a:r>
-              <a:rPr lang="zh-CN" altLang="en-US" dirty="0"/>
-              <a:t>正在为全球的分布式追踪，提供统一的概念和数据标准。关于</a:t>
-            </a:r>
-            <a:r>
-              <a:rPr lang="en-US" altLang="zh-CN" dirty="0" err="1"/>
-              <a:t>OpenTracing</a:t>
-            </a:r>
-            <a:r>
-              <a:rPr lang="zh-CN" altLang="en-US" dirty="0"/>
-              <a:t>的一个</a:t>
-            </a:r>
-            <a:r>
-              <a:rPr lang="en-US" altLang="zh-CN" dirty="0"/>
-              <a:t>Java</a:t>
-            </a:r>
-            <a:r>
-              <a:rPr lang="zh-CN" altLang="en-US" dirty="0"/>
-              <a:t>版本的实现请参考如下代码：</a:t>
-            </a:r>
-            <a:r>
-              <a:rPr lang="en-US" altLang="zh-CN" dirty="0"/>
-              <a:t>https://github.com/opentracing</a:t>
-            </a:r>
-            <a:r>
-              <a:rPr lang="en-US" altLang="zh-CN"/>
-              <a:t>/opentracing-java</a:t>
-            </a:r>
-            <a:endParaRPr lang="en-US" altLang="zh-CN" dirty="0"/>
-          </a:p>
-        </p:txBody>
-      </p:sp>
-    </p:spTree>
-    <p:extLst>
-      <p:ext uri="{BB962C8B-B14F-4D97-AF65-F5344CB8AC3E}">
-        <p14:creationId xmlns:p14="http://schemas.microsoft.com/office/powerpoint/2010/main" val="4014048424"/>
-      </p:ext>
-    </p:extLst>
-  </p:cSld>
-  <p:clrMapOvr>
-    <a:masterClrMapping/>
-  </p:clrMapOvr>
-</p:sld>
-</file>
-
-<file path=ppt/slides/slide24.xml><?xml version="1.0" encoding="utf-8"?>
-<p:sld xmlns:a="http://schemas.openxmlformats.org/drawingml/2006/main" xmlns:r="http://schemas.openxmlformats.org/officeDocument/2006/relationships" xmlns:p="http://schemas.openxmlformats.org/presentationml/2006/main">
-  <p:cSld>
-    <p:spTree>
-      <p:nvGrpSpPr>
-        <p:cNvPr id="1" name=""/>
-        <p:cNvGrpSpPr/>
-        <p:nvPr/>
-      </p:nvGrpSpPr>
-      <p:grpSpPr>
-        <a:xfrm>
-          <a:off x="0" y="0"/>
-          <a:ext cx="0" cy="0"/>
-          <a:chOff x="0" y="0"/>
-          <a:chExt cx="0" cy="0"/>
-        </a:xfrm>
-      </p:grpSpPr>
-      <p:sp>
-        <p:nvSpPr>
-          <p:cNvPr id="2" name="标题 1">
-            <a:extLst>
-              <a:ext uri="{FF2B5EF4-FFF2-40B4-BE49-F238E27FC236}">
-                <a16:creationId xmlns:a16="http://schemas.microsoft.com/office/drawing/2014/main" id="{48196284-AD0A-4277-8A4B-E8DD9D886D44}"/>
-              </a:ext>
-            </a:extLst>
-          </p:cNvPr>
-          <p:cNvSpPr>
-            <a:spLocks noGrp="1"/>
-          </p:cNvSpPr>
-          <p:nvPr>
-            <p:ph type="title"/>
-          </p:nvPr>
-        </p:nvSpPr>
-        <p:spPr/>
-        <p:txBody>
-          <a:bodyPr/>
-          <a:lstStyle/>
-          <a:p>
-            <a:r>
-              <a:rPr lang="zh-CN" altLang="en-US" dirty="0"/>
-              <a:t>使用分布式追踪系统监控服务有以下好处</a:t>
-            </a:r>
-          </a:p>
-        </p:txBody>
-      </p:sp>
-      <p:sp>
-        <p:nvSpPr>
-          <p:cNvPr id="3" name="内容占位符 2">
-            <a:extLst>
-              <a:ext uri="{FF2B5EF4-FFF2-40B4-BE49-F238E27FC236}">
-                <a16:creationId xmlns:a16="http://schemas.microsoft.com/office/drawing/2014/main" id="{872EE82B-AB5C-4081-85F5-96825F7953F2}"/>
-              </a:ext>
-            </a:extLst>
-          </p:cNvPr>
-          <p:cNvSpPr>
-            <a:spLocks noGrp="1"/>
-          </p:cNvSpPr>
-          <p:nvPr>
-            <p:ph idx="1"/>
-          </p:nvPr>
-        </p:nvSpPr>
-        <p:spPr/>
-        <p:txBody>
-          <a:bodyPr/>
-          <a:lstStyle/>
-          <a:p>
-            <a:r>
               <a:rPr lang="zh-CN" altLang="en-US" dirty="0"/>
               <a:t>通过在各个微服务埋点打印的调用链日志，能够把一个请求处理的完整链路端到端地展示出来</a:t>
             </a:r>
@@ -7827,1008 +8712,6 @@
     <p:extLst>
       <p:ext uri="{BB962C8B-B14F-4D97-AF65-F5344CB8AC3E}">
         <p14:creationId xmlns:p14="http://schemas.microsoft.com/office/powerpoint/2010/main" val="1534390371"/>
-      </p:ext>
-    </p:extLst>
-  </p:cSld>
-  <p:clrMapOvr>
-    <a:masterClrMapping/>
-  </p:clrMapOvr>
-</p:sld>
-</file>
-
-<file path=ppt/slides/slide25.xml><?xml version="1.0" encoding="utf-8"?>
-<p:sld xmlns:a="http://schemas.openxmlformats.org/drawingml/2006/main" xmlns:r="http://schemas.openxmlformats.org/officeDocument/2006/relationships" xmlns:p="http://schemas.openxmlformats.org/presentationml/2006/main">
-  <p:cSld>
-    <p:spTree>
-      <p:nvGrpSpPr>
-        <p:cNvPr id="1" name=""/>
-        <p:cNvGrpSpPr/>
-        <p:nvPr/>
-      </p:nvGrpSpPr>
-      <p:grpSpPr>
-        <a:xfrm>
-          <a:off x="0" y="0"/>
-          <a:ext cx="0" cy="0"/>
-          <a:chOff x="0" y="0"/>
-          <a:chExt cx="0" cy="0"/>
-        </a:xfrm>
-      </p:grpSpPr>
-      <p:sp>
-        <p:nvSpPr>
-          <p:cNvPr id="2" name="标题 1">
-            <a:extLst>
-              <a:ext uri="{FF2B5EF4-FFF2-40B4-BE49-F238E27FC236}">
-                <a16:creationId xmlns:a16="http://schemas.microsoft.com/office/drawing/2014/main" id="{4711CFD4-6C1E-49E4-A6DE-E3ED352AE39F}"/>
-              </a:ext>
-            </a:extLst>
-          </p:cNvPr>
-          <p:cNvSpPr>
-            <a:spLocks noGrp="1"/>
-          </p:cNvSpPr>
-          <p:nvPr>
-            <p:ph type="title"/>
-          </p:nvPr>
-        </p:nvSpPr>
-        <p:spPr/>
-        <p:txBody>
-          <a:bodyPr/>
-          <a:lstStyle/>
-          <a:p>
-            <a:r>
-              <a:rPr lang="zh-CN" altLang="en-US" dirty="0"/>
-              <a:t>监控</a:t>
-            </a:r>
-          </a:p>
-        </p:txBody>
-      </p:sp>
-      <p:sp>
-        <p:nvSpPr>
-          <p:cNvPr id="3" name="内容占位符 2">
-            <a:extLst>
-              <a:ext uri="{FF2B5EF4-FFF2-40B4-BE49-F238E27FC236}">
-                <a16:creationId xmlns:a16="http://schemas.microsoft.com/office/drawing/2014/main" id="{C5D82222-DEBD-46C0-8A60-86FABCEBE21A}"/>
-              </a:ext>
-            </a:extLst>
-          </p:cNvPr>
-          <p:cNvSpPr>
-            <a:spLocks noGrp="1"/>
-          </p:cNvSpPr>
-          <p:nvPr>
-            <p:ph idx="1"/>
-          </p:nvPr>
-        </p:nvSpPr>
-        <p:spPr>
-          <a:xfrm>
-            <a:off x="838200" y="1459298"/>
-            <a:ext cx="10515600" cy="4854190"/>
-          </a:xfrm>
-        </p:spPr>
-        <p:txBody>
-          <a:bodyPr>
-            <a:normAutofit/>
-          </a:bodyPr>
-          <a:lstStyle/>
-          <a:p>
-            <a:endParaRPr lang="en-US" altLang="zh-CN" sz="1200" dirty="0"/>
-          </a:p>
-          <a:p>
-            <a:r>
-              <a:rPr lang="zh-CN" altLang="en-US" sz="1200" dirty="0"/>
-              <a:t>开启</a:t>
-            </a:r>
-            <a:r>
-              <a:rPr lang="en-US" altLang="zh-CN" sz="1200" dirty="0" err="1"/>
-              <a:t>metricsFactory</a:t>
-            </a:r>
-            <a:r>
-              <a:rPr lang="en-US" altLang="zh-CN" sz="1200" dirty="0"/>
-              <a:t> := </a:t>
-            </a:r>
-            <a:r>
-              <a:rPr lang="en-US" altLang="zh-CN" sz="1200" dirty="0" err="1"/>
-              <a:t>prometheus.New</a:t>
-            </a:r>
-            <a:r>
-              <a:rPr lang="en-US" altLang="zh-CN" sz="1200" dirty="0"/>
-              <a:t>().Namespace(</a:t>
-            </a:r>
-            <a:r>
-              <a:rPr lang="en-US" altLang="zh-CN" sz="1200" dirty="0" err="1"/>
-              <a:t>metrics.NSOptions</a:t>
-            </a:r>
-            <a:r>
-              <a:rPr lang="en-US" altLang="zh-CN" sz="1200" dirty="0"/>
-              <a:t>{Name: named, Tags: nil})</a:t>
-            </a:r>
-          </a:p>
-          <a:p>
-            <a:r>
-              <a:rPr lang="en-US" altLang="zh-CN" sz="1200" dirty="0" err="1"/>
-              <a:t>config.Metrics</a:t>
-            </a:r>
-            <a:r>
-              <a:rPr lang="en-US" altLang="zh-CN" sz="1200" dirty="0"/>
-              <a:t>(</a:t>
-            </a:r>
-            <a:r>
-              <a:rPr lang="en-US" altLang="zh-CN" sz="1200" dirty="0" err="1"/>
-              <a:t>metricsFactory</a:t>
-            </a:r>
-            <a:r>
-              <a:rPr lang="en-US" altLang="zh-CN" sz="1200" dirty="0"/>
-              <a:t>),</a:t>
-            </a:r>
-          </a:p>
-          <a:p>
-            <a:r>
-              <a:rPr lang="en-US" altLang="zh-CN" sz="1200" dirty="0"/>
-              <a:t>jaeger-collector 14269  /metrics</a:t>
-            </a:r>
-          </a:p>
-          <a:p>
-            <a:r>
-              <a:rPr lang="zh-CN" altLang="en-US" sz="1200" dirty="0"/>
-              <a:t>当队列满时新的</a:t>
-            </a:r>
-            <a:r>
-              <a:rPr lang="en-US" altLang="zh-CN" sz="1200" dirty="0"/>
-              <a:t>span</a:t>
-            </a:r>
-            <a:r>
-              <a:rPr lang="zh-CN" altLang="en-US" sz="1200" dirty="0"/>
-              <a:t>会丢弃</a:t>
-            </a:r>
-            <a:endParaRPr lang="en-US" altLang="zh-CN" sz="1200" dirty="0"/>
-          </a:p>
-          <a:p>
-            <a:r>
-              <a:rPr lang="zh-CN" altLang="en-US" sz="1200" dirty="0"/>
-              <a:t>指标：</a:t>
-            </a:r>
-            <a:r>
-              <a:rPr lang="en-US" altLang="zh-CN" sz="1200" dirty="0" err="1"/>
-              <a:t>jaeger_tracer_reporter_spans_total</a:t>
-            </a:r>
-            <a:r>
-              <a:rPr lang="en-US" altLang="zh-CN" sz="1200" dirty="0"/>
-              <a:t>{result="dropped",}</a:t>
-            </a:r>
-          </a:p>
-          <a:p>
-            <a:r>
-              <a:rPr lang="zh-CN" altLang="en-US" sz="1200" dirty="0"/>
-              <a:t>当前队列长度</a:t>
-            </a:r>
-            <a:endParaRPr lang="en-US" altLang="zh-CN" sz="1200" dirty="0"/>
-          </a:p>
-          <a:p>
-            <a:r>
-              <a:rPr lang="zh-CN" altLang="en-US" sz="1200" dirty="0"/>
-              <a:t>指标：</a:t>
-            </a:r>
-            <a:r>
-              <a:rPr lang="en-US" altLang="zh-CN" sz="1200" dirty="0" err="1"/>
-              <a:t>jaeger_tracer_reporter_queue_length</a:t>
-            </a:r>
-            <a:endParaRPr lang="zh-CN" altLang="en-US" sz="1200" dirty="0"/>
-          </a:p>
-        </p:txBody>
-      </p:sp>
-      <p:sp>
-        <p:nvSpPr>
-          <p:cNvPr id="6" name="Rectangle 3">
-            <a:extLst>
-              <a:ext uri="{FF2B5EF4-FFF2-40B4-BE49-F238E27FC236}">
-                <a16:creationId xmlns:a16="http://schemas.microsoft.com/office/drawing/2014/main" id="{915029B9-43FB-4CBC-B56D-C0A56AFD1F8A}"/>
-              </a:ext>
-            </a:extLst>
-          </p:cNvPr>
-          <p:cNvSpPr>
-            <a:spLocks noChangeArrowheads="1"/>
-          </p:cNvSpPr>
-          <p:nvPr/>
-        </p:nvSpPr>
-        <p:spPr bwMode="auto">
-          <a:xfrm>
-            <a:off x="949911" y="4140354"/>
-            <a:ext cx="12192000" cy="457200"/>
-          </a:xfrm>
-          <a:prstGeom prst="rect">
-            <a:avLst/>
-          </a:prstGeom>
-          <a:solidFill>
-            <a:srgbClr val="FFFFFF"/>
-          </a:solidFill>
-          <a:ln>
-            <a:noFill/>
-          </a:ln>
-          <a:effectLst/>
-          <a:extLst>
-            <a:ext uri="{91240B29-F687-4F45-9708-019B960494DF}">
-              <a14:hiddenLine xmlns:a14="http://schemas.microsoft.com/office/drawing/2010/main" w="9525">
-                <a:solidFill>
-                  <a:schemeClr val="tx1"/>
-                </a:solidFill>
-                <a:miter lim="800000"/>
-                <a:headEnd/>
-                <a:tailEnd/>
-              </a14:hiddenLine>
-            </a:ext>
-            <a:ext uri="{AF507438-7753-43E0-B8FC-AC1667EBCBE1}">
-              <a14:hiddenEffects xmlns:a14="http://schemas.microsoft.com/office/drawing/2010/main">
-                <a:effectLst>
-                  <a:outerShdw dist="35921" dir="2700000" algn="ctr" rotWithShape="0">
-                    <a:schemeClr val="bg2"/>
-                  </a:outerShdw>
-                </a:effectLst>
-              </a14:hiddenEffects>
-            </a:ext>
-          </a:extLst>
-        </p:spPr>
-        <p:txBody>
-          <a:bodyPr vert="horz" wrap="none" lIns="91440" tIns="45720" rIns="91440" bIns="45720" numCol="1" anchor="ctr" anchorCtr="0" compatLnSpc="1">
-            <a:prstTxWarp prst="textNoShape">
-              <a:avLst/>
-            </a:prstTxWarp>
-            <a:spAutoFit/>
-          </a:bodyPr>
-          <a:lstStyle/>
-          <a:p>
-            <a:pPr marL="0" marR="0" lvl="0" indent="0" algn="l" defTabSz="914400" rtl="0" eaLnBrk="0" fontAlgn="base" latinLnBrk="0" hangingPunct="0">
-              <a:lnSpc>
-                <a:spcPct val="100000"/>
-              </a:lnSpc>
-              <a:spcBef>
-                <a:spcPct val="0"/>
-              </a:spcBef>
-              <a:spcAft>
-                <a:spcPct val="0"/>
-              </a:spcAft>
-              <a:buClrTx/>
-              <a:buSzTx/>
-              <a:buFontTx/>
-              <a:buNone/>
-              <a:tabLst/>
-            </a:pPr>
-            <a:r>
-              <a:rPr kumimoji="0" lang="zh-CN" altLang="zh-CN" sz="900" b="0" i="0" u="none" strike="noStrike" cap="none" normalizeH="0" baseline="0" dirty="0">
-                <a:ln>
-                  <a:noFill/>
-                </a:ln>
-                <a:solidFill>
-                  <a:srgbClr val="0000FF"/>
-                </a:solidFill>
-                <a:effectLst/>
-                <a:latin typeface="Courier New" panose="02070309020205020404" pitchFamily="49" charset="0"/>
-                <a:cs typeface="Courier New" panose="02070309020205020404" pitchFamily="49" charset="0"/>
-              </a:rPr>
-              <a:t>go func</a:t>
-            </a:r>
-            <a:r>
-              <a:rPr kumimoji="0" lang="zh-CN" altLang="zh-CN" sz="900" b="0" i="0" u="none" strike="noStrike" cap="none" normalizeH="0" baseline="0" dirty="0">
-                <a:ln>
-                  <a:noFill/>
-                </a:ln>
-                <a:solidFill>
-                  <a:srgbClr val="121314"/>
-                </a:solidFill>
-                <a:effectLst/>
-                <a:latin typeface="Courier New" panose="02070309020205020404" pitchFamily="49" charset="0"/>
-                <a:cs typeface="Courier New" panose="02070309020205020404" pitchFamily="49" charset="0"/>
-              </a:rPr>
-              <a:t>() {</a:t>
-            </a:r>
-            <a:br>
-              <a:rPr kumimoji="0" lang="zh-CN" altLang="zh-CN" sz="900" b="0" i="0" u="none" strike="noStrike" cap="none" normalizeH="0" baseline="0" dirty="0">
-                <a:ln>
-                  <a:noFill/>
-                </a:ln>
-                <a:solidFill>
-                  <a:srgbClr val="121314"/>
-                </a:solidFill>
-                <a:effectLst/>
-                <a:latin typeface="Courier New" panose="02070309020205020404" pitchFamily="49" charset="0"/>
-                <a:cs typeface="Courier New" panose="02070309020205020404" pitchFamily="49" charset="0"/>
-              </a:rPr>
-            </a:br>
-            <a:r>
-              <a:rPr kumimoji="0" lang="zh-CN" altLang="zh-CN" sz="900" b="0" i="0" u="none" strike="noStrike" cap="none" normalizeH="0" baseline="0" dirty="0">
-                <a:ln>
-                  <a:noFill/>
-                </a:ln>
-                <a:solidFill>
-                  <a:srgbClr val="121314"/>
-                </a:solidFill>
-                <a:effectLst/>
-                <a:latin typeface="Courier New" panose="02070309020205020404" pitchFamily="49" charset="0"/>
-                <a:cs typeface="Courier New" panose="02070309020205020404" pitchFamily="49" charset="0"/>
-              </a:rPr>
-              <a:t>   </a:t>
-            </a:r>
-            <a:r>
-              <a:rPr kumimoji="0" lang="zh-CN" altLang="zh-CN" sz="900" b="0" i="0" u="none" strike="noStrike" cap="none" normalizeH="0" baseline="0" dirty="0">
-                <a:ln>
-                  <a:noFill/>
-                </a:ln>
-                <a:solidFill>
-                  <a:srgbClr val="008000"/>
-                </a:solidFill>
-                <a:effectLst/>
-                <a:latin typeface="Courier New" panose="02070309020205020404" pitchFamily="49" charset="0"/>
-                <a:cs typeface="Courier New" panose="02070309020205020404" pitchFamily="49" charset="0"/>
-              </a:rPr>
-              <a:t>// Register Prometheus metrics handler.</a:t>
-            </a:r>
-            <a:br>
-              <a:rPr kumimoji="0" lang="zh-CN" altLang="zh-CN" sz="900" b="0" i="0" u="none" strike="noStrike" cap="none" normalizeH="0" baseline="0" dirty="0">
-                <a:ln>
-                  <a:noFill/>
-                </a:ln>
-                <a:solidFill>
-                  <a:srgbClr val="008000"/>
-                </a:solidFill>
-                <a:effectLst/>
-                <a:latin typeface="Courier New" panose="02070309020205020404" pitchFamily="49" charset="0"/>
-                <a:cs typeface="Courier New" panose="02070309020205020404" pitchFamily="49" charset="0"/>
-              </a:rPr>
-            </a:br>
-            <a:r>
-              <a:rPr kumimoji="0" lang="zh-CN" altLang="zh-CN" sz="900" b="0" i="0" u="none" strike="noStrike" cap="none" normalizeH="0" baseline="0" dirty="0">
-                <a:ln>
-                  <a:noFill/>
-                </a:ln>
-                <a:solidFill>
-                  <a:srgbClr val="008000"/>
-                </a:solidFill>
-                <a:effectLst/>
-                <a:latin typeface="Courier New" panose="02070309020205020404" pitchFamily="49" charset="0"/>
-                <a:cs typeface="Courier New" panose="02070309020205020404" pitchFamily="49" charset="0"/>
-              </a:rPr>
-              <a:t>    </a:t>
-            </a:r>
-            <a:r>
-              <a:rPr kumimoji="0" lang="zh-CN" altLang="zh-CN" sz="900" b="0" i="0" u="none" strike="noStrike" cap="none" normalizeH="0" baseline="0" dirty="0">
-                <a:ln>
-                  <a:noFill/>
-                </a:ln>
-                <a:solidFill>
-                  <a:srgbClr val="805900"/>
-                </a:solidFill>
-                <a:effectLst/>
-                <a:latin typeface="Courier New" panose="02070309020205020404" pitchFamily="49" charset="0"/>
-                <a:cs typeface="Courier New" panose="02070309020205020404" pitchFamily="49" charset="0"/>
-              </a:rPr>
-              <a:t>http</a:t>
-            </a:r>
-            <a:r>
-              <a:rPr kumimoji="0" lang="zh-CN" altLang="zh-CN" sz="900" b="0" i="0" u="none" strike="noStrike" cap="none" normalizeH="0" baseline="0" dirty="0">
-                <a:ln>
-                  <a:noFill/>
-                </a:ln>
-                <a:solidFill>
-                  <a:srgbClr val="121314"/>
-                </a:solidFill>
-                <a:effectLst/>
-                <a:latin typeface="Courier New" panose="02070309020205020404" pitchFamily="49" charset="0"/>
-                <a:cs typeface="Courier New" panose="02070309020205020404" pitchFamily="49" charset="0"/>
-              </a:rPr>
-              <a:t>.</a:t>
-            </a:r>
-            <a:r>
-              <a:rPr kumimoji="0" lang="zh-CN" altLang="zh-CN" sz="900" b="0" i="0" u="none" strike="noStrike" cap="none" normalizeH="0" baseline="0" dirty="0">
-                <a:ln>
-                  <a:noFill/>
-                </a:ln>
-                <a:solidFill>
-                  <a:srgbClr val="36666B"/>
-                </a:solidFill>
-                <a:effectLst/>
-                <a:latin typeface="Courier New" panose="02070309020205020404" pitchFamily="49" charset="0"/>
-                <a:cs typeface="Courier New" panose="02070309020205020404" pitchFamily="49" charset="0"/>
-              </a:rPr>
-              <a:t>Handle</a:t>
-            </a:r>
-            <a:r>
-              <a:rPr kumimoji="0" lang="zh-CN" altLang="zh-CN" sz="900" b="0" i="0" u="none" strike="noStrike" cap="none" normalizeH="0" baseline="0" dirty="0">
-                <a:ln>
-                  <a:noFill/>
-                </a:ln>
-                <a:solidFill>
-                  <a:srgbClr val="121314"/>
-                </a:solidFill>
-                <a:effectLst/>
-                <a:latin typeface="Courier New" panose="02070309020205020404" pitchFamily="49" charset="0"/>
-                <a:cs typeface="Courier New" panose="02070309020205020404" pitchFamily="49" charset="0"/>
-              </a:rPr>
-              <a:t>(</a:t>
-            </a:r>
-            <a:r>
-              <a:rPr kumimoji="0" lang="zh-CN" altLang="zh-CN" sz="900" b="0" i="0" u="none" strike="noStrike" cap="none" normalizeH="0" baseline="0" dirty="0">
-                <a:ln>
-                  <a:noFill/>
-                </a:ln>
-                <a:solidFill>
-                  <a:srgbClr val="A31515"/>
-                </a:solidFill>
-                <a:effectLst/>
-                <a:latin typeface="Courier New" panose="02070309020205020404" pitchFamily="49" charset="0"/>
-                <a:cs typeface="Courier New" panose="02070309020205020404" pitchFamily="49" charset="0"/>
-              </a:rPr>
-              <a:t>"/metrics"</a:t>
-            </a:r>
-            <a:r>
-              <a:rPr kumimoji="0" lang="zh-CN" altLang="zh-CN" sz="900" b="0" i="0" u="none" strike="noStrike" cap="none" normalizeH="0" baseline="0" dirty="0">
-                <a:ln>
-                  <a:noFill/>
-                </a:ln>
-                <a:solidFill>
-                  <a:srgbClr val="121314"/>
-                </a:solidFill>
-                <a:effectLst/>
-                <a:latin typeface="Courier New" panose="02070309020205020404" pitchFamily="49" charset="0"/>
-                <a:cs typeface="Courier New" panose="02070309020205020404" pitchFamily="49" charset="0"/>
-              </a:rPr>
-              <a:t>, </a:t>
-            </a:r>
-            <a:r>
-              <a:rPr kumimoji="0" lang="zh-CN" altLang="zh-CN" sz="900" b="0" i="0" u="none" strike="noStrike" cap="none" normalizeH="0" baseline="0" dirty="0">
-                <a:ln>
-                  <a:noFill/>
-                </a:ln>
-                <a:solidFill>
-                  <a:srgbClr val="805900"/>
-                </a:solidFill>
-                <a:effectLst/>
-                <a:latin typeface="Courier New" panose="02070309020205020404" pitchFamily="49" charset="0"/>
-                <a:cs typeface="Courier New" panose="02070309020205020404" pitchFamily="49" charset="0"/>
-              </a:rPr>
-              <a:t>promhttp</a:t>
-            </a:r>
-            <a:r>
-              <a:rPr kumimoji="0" lang="zh-CN" altLang="zh-CN" sz="900" b="0" i="0" u="none" strike="noStrike" cap="none" normalizeH="0" baseline="0" dirty="0">
-                <a:ln>
-                  <a:noFill/>
-                </a:ln>
-                <a:solidFill>
-                  <a:srgbClr val="121314"/>
-                </a:solidFill>
-                <a:effectLst/>
-                <a:latin typeface="Courier New" panose="02070309020205020404" pitchFamily="49" charset="0"/>
-                <a:cs typeface="Courier New" panose="02070309020205020404" pitchFamily="49" charset="0"/>
-              </a:rPr>
-              <a:t>.</a:t>
-            </a:r>
-            <a:r>
-              <a:rPr kumimoji="0" lang="zh-CN" altLang="zh-CN" sz="900" b="0" i="0" u="none" strike="noStrike" cap="none" normalizeH="0" baseline="0" dirty="0">
-                <a:ln>
-                  <a:noFill/>
-                </a:ln>
-                <a:solidFill>
-                  <a:srgbClr val="36666B"/>
-                </a:solidFill>
-                <a:effectLst/>
-                <a:latin typeface="Courier New" panose="02070309020205020404" pitchFamily="49" charset="0"/>
-                <a:cs typeface="Courier New" panose="02070309020205020404" pitchFamily="49" charset="0"/>
-              </a:rPr>
-              <a:t>Handler</a:t>
-            </a:r>
-            <a:r>
-              <a:rPr kumimoji="0" lang="zh-CN" altLang="zh-CN" sz="900" b="0" i="0" u="none" strike="noStrike" cap="none" normalizeH="0" baseline="0" dirty="0">
-                <a:ln>
-                  <a:noFill/>
-                </a:ln>
-                <a:solidFill>
-                  <a:srgbClr val="121314"/>
-                </a:solidFill>
-                <a:effectLst/>
-                <a:latin typeface="Courier New" panose="02070309020205020404" pitchFamily="49" charset="0"/>
-                <a:cs typeface="Courier New" panose="02070309020205020404" pitchFamily="49" charset="0"/>
-              </a:rPr>
-              <a:t>())</a:t>
-            </a:r>
-            <a:br>
-              <a:rPr kumimoji="0" lang="zh-CN" altLang="zh-CN" sz="900" b="0" i="0" u="none" strike="noStrike" cap="none" normalizeH="0" baseline="0" dirty="0">
-                <a:ln>
-                  <a:noFill/>
-                </a:ln>
-                <a:solidFill>
-                  <a:srgbClr val="121314"/>
-                </a:solidFill>
-                <a:effectLst/>
-                <a:latin typeface="Courier New" panose="02070309020205020404" pitchFamily="49" charset="0"/>
-                <a:cs typeface="Courier New" panose="02070309020205020404" pitchFamily="49" charset="0"/>
-              </a:rPr>
-            </a:br>
-            <a:r>
-              <a:rPr kumimoji="0" lang="zh-CN" altLang="zh-CN" sz="900" b="0" i="0" u="none" strike="noStrike" cap="none" normalizeH="0" baseline="0" dirty="0">
-                <a:ln>
-                  <a:noFill/>
-                </a:ln>
-                <a:solidFill>
-                  <a:srgbClr val="121314"/>
-                </a:solidFill>
-                <a:effectLst/>
-                <a:latin typeface="Courier New" panose="02070309020205020404" pitchFamily="49" charset="0"/>
-                <a:cs typeface="Courier New" panose="02070309020205020404" pitchFamily="49" charset="0"/>
-              </a:rPr>
-              <a:t>    </a:t>
-            </a:r>
-            <a:r>
-              <a:rPr kumimoji="0" lang="zh-CN" altLang="zh-CN" sz="900" b="0" i="0" u="none" strike="noStrike" cap="none" normalizeH="0" baseline="0" dirty="0">
-                <a:ln>
-                  <a:noFill/>
-                </a:ln>
-                <a:solidFill>
-                  <a:srgbClr val="805900"/>
-                </a:solidFill>
-                <a:effectLst/>
-                <a:latin typeface="Courier New" panose="02070309020205020404" pitchFamily="49" charset="0"/>
-                <a:cs typeface="Courier New" panose="02070309020205020404" pitchFamily="49" charset="0"/>
-              </a:rPr>
-              <a:t>http</a:t>
-            </a:r>
-            <a:r>
-              <a:rPr kumimoji="0" lang="zh-CN" altLang="zh-CN" sz="900" b="0" i="0" u="none" strike="noStrike" cap="none" normalizeH="0" baseline="0" dirty="0">
-                <a:ln>
-                  <a:noFill/>
-                </a:ln>
-                <a:solidFill>
-                  <a:srgbClr val="121314"/>
-                </a:solidFill>
-                <a:effectLst/>
-                <a:latin typeface="Courier New" panose="02070309020205020404" pitchFamily="49" charset="0"/>
-                <a:cs typeface="Courier New" panose="02070309020205020404" pitchFamily="49" charset="0"/>
-              </a:rPr>
-              <a:t>.</a:t>
-            </a:r>
-            <a:r>
-              <a:rPr kumimoji="0" lang="zh-CN" altLang="zh-CN" sz="900" b="0" i="0" u="none" strike="noStrike" cap="none" normalizeH="0" baseline="0" dirty="0">
-                <a:ln>
-                  <a:noFill/>
-                </a:ln>
-                <a:solidFill>
-                  <a:srgbClr val="36666B"/>
-                </a:solidFill>
-                <a:effectLst/>
-                <a:latin typeface="Courier New" panose="02070309020205020404" pitchFamily="49" charset="0"/>
-                <a:cs typeface="Courier New" panose="02070309020205020404" pitchFamily="49" charset="0"/>
-              </a:rPr>
-              <a:t>ListenAndServe</a:t>
-            </a:r>
-            <a:r>
-              <a:rPr kumimoji="0" lang="zh-CN" altLang="zh-CN" sz="900" b="0" i="0" u="none" strike="noStrike" cap="none" normalizeH="0" baseline="0" dirty="0">
-                <a:ln>
-                  <a:noFill/>
-                </a:ln>
-                <a:solidFill>
-                  <a:srgbClr val="121314"/>
-                </a:solidFill>
-                <a:effectLst/>
-                <a:latin typeface="Courier New" panose="02070309020205020404" pitchFamily="49" charset="0"/>
-                <a:cs typeface="Courier New" panose="02070309020205020404" pitchFamily="49" charset="0"/>
-              </a:rPr>
-              <a:t>(</a:t>
-            </a:r>
-            <a:r>
-              <a:rPr kumimoji="0" lang="zh-CN" altLang="zh-CN" sz="900" b="0" i="0" u="none" strike="noStrike" cap="none" normalizeH="0" baseline="0" dirty="0">
-                <a:ln>
-                  <a:noFill/>
-                </a:ln>
-                <a:solidFill>
-                  <a:srgbClr val="A31515"/>
-                </a:solidFill>
-                <a:effectLst/>
-                <a:latin typeface="Courier New" panose="02070309020205020404" pitchFamily="49" charset="0"/>
-                <a:cs typeface="Courier New" panose="02070309020205020404" pitchFamily="49" charset="0"/>
-              </a:rPr>
-              <a:t>":8081"</a:t>
-            </a:r>
-            <a:r>
-              <a:rPr kumimoji="0" lang="zh-CN" altLang="zh-CN" sz="900" b="0" i="0" u="none" strike="noStrike" cap="none" normalizeH="0" baseline="0" dirty="0">
-                <a:ln>
-                  <a:noFill/>
-                </a:ln>
-                <a:solidFill>
-                  <a:srgbClr val="121314"/>
-                </a:solidFill>
-                <a:effectLst/>
-                <a:latin typeface="Courier New" panose="02070309020205020404" pitchFamily="49" charset="0"/>
-                <a:cs typeface="Courier New" panose="02070309020205020404" pitchFamily="49" charset="0"/>
-              </a:rPr>
-              <a:t>, </a:t>
-            </a:r>
-            <a:r>
-              <a:rPr kumimoji="0" lang="zh-CN" altLang="zh-CN" sz="900" b="0" i="0" u="none" strike="noStrike" cap="none" normalizeH="0" baseline="0" dirty="0">
-                <a:ln>
-                  <a:noFill/>
-                </a:ln>
-                <a:solidFill>
-                  <a:srgbClr val="002FA6"/>
-                </a:solidFill>
-                <a:effectLst/>
-                <a:latin typeface="Courier New" panose="02070309020205020404" pitchFamily="49" charset="0"/>
-                <a:cs typeface="Courier New" panose="02070309020205020404" pitchFamily="49" charset="0"/>
-              </a:rPr>
-              <a:t>nil</a:t>
-            </a:r>
-            <a:r>
-              <a:rPr kumimoji="0" lang="zh-CN" altLang="zh-CN" sz="900" b="0" i="0" u="none" strike="noStrike" cap="none" normalizeH="0" baseline="0" dirty="0">
-                <a:ln>
-                  <a:noFill/>
-                </a:ln>
-                <a:solidFill>
-                  <a:srgbClr val="121314"/>
-                </a:solidFill>
-                <a:effectLst/>
-                <a:latin typeface="Courier New" panose="02070309020205020404" pitchFamily="49" charset="0"/>
-                <a:cs typeface="Courier New" panose="02070309020205020404" pitchFamily="49" charset="0"/>
-              </a:rPr>
-              <a:t>)</a:t>
-            </a:r>
-            <a:br>
-              <a:rPr kumimoji="0" lang="zh-CN" altLang="zh-CN" sz="900" b="0" i="0" u="none" strike="noStrike" cap="none" normalizeH="0" baseline="0" dirty="0">
-                <a:ln>
-                  <a:noFill/>
-                </a:ln>
-                <a:solidFill>
-                  <a:srgbClr val="121314"/>
-                </a:solidFill>
-                <a:effectLst/>
-                <a:latin typeface="Courier New" panose="02070309020205020404" pitchFamily="49" charset="0"/>
-                <a:cs typeface="Courier New" panose="02070309020205020404" pitchFamily="49" charset="0"/>
-              </a:rPr>
-            </a:br>
-            <a:r>
-              <a:rPr kumimoji="0" lang="zh-CN" altLang="zh-CN" sz="900" b="0" i="0" u="none" strike="noStrike" cap="none" normalizeH="0" baseline="0" dirty="0">
-                <a:ln>
-                  <a:noFill/>
-                </a:ln>
-                <a:solidFill>
-                  <a:srgbClr val="121314"/>
-                </a:solidFill>
-                <a:effectLst/>
-                <a:latin typeface="Courier New" panose="02070309020205020404" pitchFamily="49" charset="0"/>
-                <a:cs typeface="Courier New" panose="02070309020205020404" pitchFamily="49" charset="0"/>
-              </a:rPr>
-              <a:t>}()</a:t>
-            </a:r>
-            <a:endParaRPr kumimoji="0" lang="zh-CN" altLang="zh-CN" sz="1800" b="0" i="0" u="none" strike="noStrike" cap="none" normalizeH="0" baseline="0" dirty="0">
-              <a:ln>
-                <a:noFill/>
-              </a:ln>
-              <a:solidFill>
-                <a:schemeClr val="tx1"/>
-              </a:solidFill>
-              <a:effectLst/>
-              <a:latin typeface="Arial" panose="020B0604020202020204" pitchFamily="34" charset="0"/>
-            </a:endParaRPr>
-          </a:p>
-        </p:txBody>
-      </p:sp>
-    </p:spTree>
-    <p:extLst>
-      <p:ext uri="{BB962C8B-B14F-4D97-AF65-F5344CB8AC3E}">
-        <p14:creationId xmlns:p14="http://schemas.microsoft.com/office/powerpoint/2010/main" val="554422072"/>
-      </p:ext>
-    </p:extLst>
-  </p:cSld>
-  <p:clrMapOvr>
-    <a:masterClrMapping/>
-  </p:clrMapOvr>
-</p:sld>
-</file>
-
-<file path=ppt/slides/slide3.xml><?xml version="1.0" encoding="utf-8"?>
-<p:sld xmlns:a="http://schemas.openxmlformats.org/drawingml/2006/main" xmlns:r="http://schemas.openxmlformats.org/officeDocument/2006/relationships" xmlns:p="http://schemas.openxmlformats.org/presentationml/2006/main">
-  <p:cSld>
-    <p:spTree>
-      <p:nvGrpSpPr>
-        <p:cNvPr id="1" name=""/>
-        <p:cNvGrpSpPr/>
-        <p:nvPr/>
-      </p:nvGrpSpPr>
-      <p:grpSpPr>
-        <a:xfrm>
-          <a:off x="0" y="0"/>
-          <a:ext cx="0" cy="0"/>
-          <a:chOff x="0" y="0"/>
-          <a:chExt cx="0" cy="0"/>
-        </a:xfrm>
-      </p:grpSpPr>
-      <p:sp>
-        <p:nvSpPr>
-          <p:cNvPr id="4" name="矩形 3">
-            <a:extLst>
-              <a:ext uri="{FF2B5EF4-FFF2-40B4-BE49-F238E27FC236}">
-                <a16:creationId xmlns:a16="http://schemas.microsoft.com/office/drawing/2014/main" id="{C001907B-8331-42BB-8AF8-212655D8C63C}"/>
-              </a:ext>
-            </a:extLst>
-          </p:cNvPr>
-          <p:cNvSpPr/>
-          <p:nvPr/>
-        </p:nvSpPr>
-        <p:spPr>
-          <a:xfrm>
-            <a:off x="4317212" y="714198"/>
-            <a:ext cx="2598788" cy="369332"/>
-          </a:xfrm>
-          <a:prstGeom prst="rect">
-            <a:avLst/>
-          </a:prstGeom>
-        </p:spPr>
-        <p:txBody>
-          <a:bodyPr wrap="none">
-            <a:spAutoFit/>
-          </a:bodyPr>
-          <a:lstStyle/>
-          <a:p>
-            <a:pPr algn="just"/>
-            <a:r>
-              <a:rPr lang="zh-CN" altLang="en-US" b="1" dirty="0">
-                <a:solidFill>
-                  <a:srgbClr val="AB1942"/>
-                </a:solidFill>
-                <a:latin typeface="-apple-system-font"/>
-              </a:rPr>
-              <a:t>什么是「 监控系统 」？</a:t>
-            </a:r>
-            <a:endParaRPr lang="zh-CN" altLang="en-US" b="0" i="0" dirty="0">
-              <a:solidFill>
-                <a:srgbClr val="333333"/>
-              </a:solidFill>
-              <a:effectLst/>
-              <a:latin typeface="-apple-system-font"/>
-            </a:endParaRPr>
-          </a:p>
-        </p:txBody>
-      </p:sp>
-      <p:sp>
-        <p:nvSpPr>
-          <p:cNvPr id="5" name="矩形 4">
-            <a:extLst>
-              <a:ext uri="{FF2B5EF4-FFF2-40B4-BE49-F238E27FC236}">
-                <a16:creationId xmlns:a16="http://schemas.microsoft.com/office/drawing/2014/main" id="{9F54E5FD-43B9-446A-BD41-B61B0287BD74}"/>
-              </a:ext>
-            </a:extLst>
-          </p:cNvPr>
-          <p:cNvSpPr/>
-          <p:nvPr/>
-        </p:nvSpPr>
-        <p:spPr>
-          <a:xfrm>
-            <a:off x="1269507" y="2226906"/>
-            <a:ext cx="10457895" cy="3970318"/>
-          </a:xfrm>
-          <a:prstGeom prst="rect">
-            <a:avLst/>
-          </a:prstGeom>
-        </p:spPr>
-        <p:txBody>
-          <a:bodyPr wrap="square">
-            <a:spAutoFit/>
-          </a:bodyPr>
-          <a:lstStyle/>
-          <a:p>
-            <a:pPr algn="just"/>
-            <a:r>
-              <a:rPr lang="zh-CN" altLang="en-US" dirty="0">
-                <a:solidFill>
-                  <a:srgbClr val="333333"/>
-                </a:solidFill>
-                <a:latin typeface="-apple-system-font"/>
-              </a:rPr>
-              <a:t>在微服务架构中，监控系统按照原理和作用大致可以分为三类（并非严格分类，仅从日常使用角度来看）：</a:t>
-            </a:r>
-          </a:p>
-          <a:p>
-            <a:pPr algn="just"/>
-            <a:br>
-              <a:rPr lang="zh-CN" altLang="en-US" dirty="0">
-                <a:solidFill>
-                  <a:srgbClr val="333333"/>
-                </a:solidFill>
-                <a:latin typeface="-apple-system-font"/>
-              </a:rPr>
-            </a:br>
-            <a:endParaRPr lang="zh-CN" altLang="en-US" dirty="0">
-              <a:solidFill>
-                <a:srgbClr val="333333"/>
-              </a:solidFill>
-              <a:latin typeface="-apple-system-font"/>
-            </a:endParaRPr>
-          </a:p>
-          <a:p>
-            <a:pPr algn="just">
-              <a:lnSpc>
-                <a:spcPct val="200000"/>
-              </a:lnSpc>
-              <a:buFont typeface="Arial" panose="020B0604020202020204" pitchFamily="34" charset="0"/>
-              <a:buChar char="•"/>
-            </a:pPr>
-            <a:r>
-              <a:rPr lang="zh-CN" altLang="en-US" dirty="0">
-                <a:solidFill>
-                  <a:srgbClr val="333333"/>
-                </a:solidFill>
-                <a:latin typeface="-apple-system-font"/>
-              </a:rPr>
-              <a:t>日志类（</a:t>
-            </a:r>
-            <a:r>
-              <a:rPr lang="en-US" altLang="zh-CN" dirty="0">
-                <a:solidFill>
-                  <a:srgbClr val="333333"/>
-                </a:solidFill>
-                <a:latin typeface="-apple-system-font"/>
-              </a:rPr>
-              <a:t>Logging</a:t>
-            </a:r>
-            <a:r>
-              <a:rPr lang="zh-CN" altLang="en-US" dirty="0">
-                <a:solidFill>
-                  <a:srgbClr val="333333"/>
-                </a:solidFill>
-                <a:latin typeface="-apple-system-font"/>
-              </a:rPr>
-              <a:t>）</a:t>
-            </a:r>
-          </a:p>
-          <a:p>
-            <a:pPr algn="just">
-              <a:lnSpc>
-                <a:spcPct val="200000"/>
-              </a:lnSpc>
-              <a:buFont typeface="Arial" panose="020B0604020202020204" pitchFamily="34" charset="0"/>
-              <a:buChar char="•"/>
-            </a:pPr>
-            <a:r>
-              <a:rPr lang="zh-CN" altLang="en-US" dirty="0">
-                <a:solidFill>
-                  <a:srgbClr val="333333"/>
-                </a:solidFill>
-                <a:latin typeface="-apple-system-font"/>
-              </a:rPr>
-              <a:t>度量类（</a:t>
-            </a:r>
-            <a:r>
-              <a:rPr lang="en-US" altLang="zh-CN" dirty="0">
-                <a:solidFill>
-                  <a:srgbClr val="333333"/>
-                </a:solidFill>
-                <a:latin typeface="-apple-system-font"/>
-              </a:rPr>
-              <a:t>Metrics</a:t>
-            </a:r>
-            <a:r>
-              <a:rPr lang="zh-CN" altLang="en-US" dirty="0">
-                <a:solidFill>
-                  <a:srgbClr val="333333"/>
-                </a:solidFill>
-                <a:latin typeface="-apple-system-font"/>
-              </a:rPr>
-              <a:t>）</a:t>
-            </a:r>
-            <a:endParaRPr lang="en-US" altLang="zh-CN" dirty="0">
-              <a:solidFill>
-                <a:srgbClr val="333333"/>
-              </a:solidFill>
-              <a:latin typeface="-apple-system-font"/>
-            </a:endParaRPr>
-          </a:p>
-          <a:p>
-            <a:pPr algn="just">
-              <a:lnSpc>
-                <a:spcPct val="200000"/>
-              </a:lnSpc>
-              <a:buFont typeface="Arial" panose="020B0604020202020204" pitchFamily="34" charset="0"/>
-              <a:buChar char="•"/>
-            </a:pPr>
-            <a:r>
-              <a:rPr lang="zh-CN" altLang="en-US" dirty="0">
-                <a:solidFill>
-                  <a:srgbClr val="333333"/>
-                </a:solidFill>
-                <a:latin typeface="-apple-system-font"/>
-              </a:rPr>
-              <a:t>调用链类（</a:t>
-            </a:r>
-            <a:r>
-              <a:rPr lang="en-US" altLang="zh-CN" dirty="0">
-                <a:solidFill>
-                  <a:srgbClr val="333333"/>
-                </a:solidFill>
-                <a:latin typeface="-apple-system-font"/>
-              </a:rPr>
-              <a:t>Tracing</a:t>
-            </a:r>
-            <a:r>
-              <a:rPr lang="zh-CN" altLang="en-US" dirty="0">
-                <a:solidFill>
-                  <a:srgbClr val="333333"/>
-                </a:solidFill>
-                <a:latin typeface="-apple-system-font"/>
-              </a:rPr>
-              <a:t>）</a:t>
-            </a:r>
-          </a:p>
-          <a:p>
-            <a:pPr algn="just">
-              <a:buFont typeface="Arial" panose="020B0604020202020204" pitchFamily="34" charset="0"/>
-              <a:buChar char="•"/>
-            </a:pPr>
-            <a:endParaRPr lang="en-US" altLang="zh-CN" b="0" i="0" dirty="0">
-              <a:solidFill>
-                <a:srgbClr val="333333"/>
-              </a:solidFill>
-              <a:effectLst/>
-              <a:latin typeface="-apple-system-font"/>
-            </a:endParaRPr>
-          </a:p>
-          <a:p>
-            <a:pPr algn="just">
-              <a:buFont typeface="Arial" panose="020B0604020202020204" pitchFamily="34" charset="0"/>
-              <a:buChar char="•"/>
-            </a:pPr>
-            <a:endParaRPr lang="en-US" altLang="zh-CN" dirty="0">
-              <a:solidFill>
-                <a:srgbClr val="333333"/>
-              </a:solidFill>
-              <a:latin typeface="-apple-system-font"/>
-            </a:endParaRPr>
-          </a:p>
-          <a:p>
-            <a:pPr algn="just">
-              <a:buFont typeface="Arial" panose="020B0604020202020204" pitchFamily="34" charset="0"/>
-              <a:buChar char="•"/>
-            </a:pPr>
-            <a:endParaRPr lang="en-US" altLang="zh-CN" b="0" i="0" dirty="0">
-              <a:solidFill>
-                <a:srgbClr val="333333"/>
-              </a:solidFill>
-              <a:effectLst/>
-              <a:latin typeface="-apple-system-font"/>
-            </a:endParaRPr>
-          </a:p>
-          <a:p>
-            <a:pPr algn="just"/>
-            <a:r>
-              <a:rPr lang="en-US" altLang="zh-CN" dirty="0"/>
-              <a:t>Logging</a:t>
-            </a:r>
-            <a:r>
-              <a:rPr lang="zh-CN" altLang="en-US" dirty="0"/>
-              <a:t>，</a:t>
-            </a:r>
-            <a:r>
-              <a:rPr lang="en-US" altLang="zh-CN" dirty="0"/>
-              <a:t>Metrics </a:t>
-            </a:r>
-            <a:r>
-              <a:rPr lang="zh-CN" altLang="en-US" dirty="0"/>
-              <a:t>和 </a:t>
-            </a:r>
-            <a:r>
-              <a:rPr lang="en-US" altLang="zh-CN" dirty="0"/>
-              <a:t>Tracing </a:t>
-            </a:r>
-            <a:r>
-              <a:rPr lang="zh-CN" altLang="en-US" dirty="0"/>
-              <a:t>有各自专注的部分。</a:t>
-            </a:r>
-            <a:endParaRPr lang="zh-CN" altLang="en-US" b="0" i="0" dirty="0">
-              <a:solidFill>
-                <a:srgbClr val="333333"/>
-              </a:solidFill>
-              <a:effectLst/>
-              <a:latin typeface="-apple-system-font"/>
-            </a:endParaRPr>
-          </a:p>
-        </p:txBody>
-      </p:sp>
-    </p:spTree>
-    <p:extLst>
-      <p:ext uri="{BB962C8B-B14F-4D97-AF65-F5344CB8AC3E}">
-        <p14:creationId xmlns:p14="http://schemas.microsoft.com/office/powerpoint/2010/main" val="1560449306"/>
       </p:ext>
     </p:extLst>
   </p:cSld>
@@ -8860,6 +8743,326 @@
           <p:cNvPr id="4" name="矩形 3">
             <a:extLst>
               <a:ext uri="{FF2B5EF4-FFF2-40B4-BE49-F238E27FC236}">
+                <a16:creationId xmlns:a16="http://schemas.microsoft.com/office/drawing/2014/main" id="{C001907B-8331-42BB-8AF8-212655D8C63C}"/>
+              </a:ext>
+            </a:extLst>
+          </p:cNvPr>
+          <p:cNvSpPr/>
+          <p:nvPr/>
+        </p:nvSpPr>
+        <p:spPr>
+          <a:xfrm>
+            <a:off x="4317212" y="714198"/>
+            <a:ext cx="2598788" cy="369332"/>
+          </a:xfrm>
+          <a:prstGeom prst="rect">
+            <a:avLst/>
+          </a:prstGeom>
+        </p:spPr>
+        <p:txBody>
+          <a:bodyPr wrap="none">
+            <a:spAutoFit/>
+          </a:bodyPr>
+          <a:lstStyle/>
+          <a:p>
+            <a:pPr algn="just"/>
+            <a:r>
+              <a:rPr lang="zh-CN" altLang="en-US" b="1" dirty="0">
+                <a:solidFill>
+                  <a:srgbClr val="AB1942"/>
+                </a:solidFill>
+                <a:latin typeface="-apple-system-font"/>
+              </a:rPr>
+              <a:t>什么是「 监控系统 」？</a:t>
+            </a:r>
+            <a:endParaRPr lang="zh-CN" altLang="en-US" b="0" i="0" dirty="0">
+              <a:solidFill>
+                <a:srgbClr val="333333"/>
+              </a:solidFill>
+              <a:effectLst/>
+              <a:latin typeface="-apple-system-font"/>
+            </a:endParaRPr>
+          </a:p>
+        </p:txBody>
+      </p:sp>
+      <p:sp>
+        <p:nvSpPr>
+          <p:cNvPr id="5" name="矩形 4">
+            <a:extLst>
+              <a:ext uri="{FF2B5EF4-FFF2-40B4-BE49-F238E27FC236}">
+                <a16:creationId xmlns:a16="http://schemas.microsoft.com/office/drawing/2014/main" id="{9F54E5FD-43B9-446A-BD41-B61B0287BD74}"/>
+              </a:ext>
+            </a:extLst>
+          </p:cNvPr>
+          <p:cNvSpPr/>
+          <p:nvPr/>
+        </p:nvSpPr>
+        <p:spPr>
+          <a:xfrm>
+            <a:off x="1269507" y="2226906"/>
+            <a:ext cx="10457895" cy="3970318"/>
+          </a:xfrm>
+          <a:prstGeom prst="rect">
+            <a:avLst/>
+          </a:prstGeom>
+        </p:spPr>
+        <p:txBody>
+          <a:bodyPr wrap="square">
+            <a:spAutoFit/>
+          </a:bodyPr>
+          <a:lstStyle/>
+          <a:p>
+            <a:pPr algn="just"/>
+            <a:r>
+              <a:rPr lang="zh-CN" altLang="en-US" dirty="0">
+                <a:solidFill>
+                  <a:srgbClr val="333333"/>
+                </a:solidFill>
+                <a:latin typeface="-apple-system-font"/>
+              </a:rPr>
+              <a:t>在微服务架构中，监控系统按照原理和作用大致可以分为三类（并非严格分类，仅从日常使用角度来看）：</a:t>
+            </a:r>
+          </a:p>
+          <a:p>
+            <a:pPr algn="just"/>
+            <a:br>
+              <a:rPr lang="zh-CN" altLang="en-US" dirty="0">
+                <a:solidFill>
+                  <a:srgbClr val="333333"/>
+                </a:solidFill>
+                <a:latin typeface="-apple-system-font"/>
+              </a:rPr>
+            </a:br>
+            <a:endParaRPr lang="zh-CN" altLang="en-US" dirty="0">
+              <a:solidFill>
+                <a:srgbClr val="333333"/>
+              </a:solidFill>
+              <a:latin typeface="-apple-system-font"/>
+            </a:endParaRPr>
+          </a:p>
+          <a:p>
+            <a:pPr algn="just">
+              <a:lnSpc>
+                <a:spcPct val="200000"/>
+              </a:lnSpc>
+              <a:buFont typeface="Arial" panose="020B0604020202020204" pitchFamily="34" charset="0"/>
+              <a:buChar char="•"/>
+            </a:pPr>
+            <a:r>
+              <a:rPr lang="zh-CN" altLang="en-US" dirty="0">
+                <a:solidFill>
+                  <a:srgbClr val="333333"/>
+                </a:solidFill>
+                <a:latin typeface="-apple-system-font"/>
+              </a:rPr>
+              <a:t>日志类（</a:t>
+            </a:r>
+            <a:r>
+              <a:rPr lang="en-US" altLang="zh-CN" dirty="0">
+                <a:solidFill>
+                  <a:srgbClr val="333333"/>
+                </a:solidFill>
+                <a:latin typeface="-apple-system-font"/>
+              </a:rPr>
+              <a:t>Logging</a:t>
+            </a:r>
+            <a:r>
+              <a:rPr lang="zh-CN" altLang="en-US" dirty="0">
+                <a:solidFill>
+                  <a:srgbClr val="333333"/>
+                </a:solidFill>
+                <a:latin typeface="-apple-system-font"/>
+              </a:rPr>
+              <a:t>）</a:t>
+            </a:r>
+          </a:p>
+          <a:p>
+            <a:pPr algn="just">
+              <a:lnSpc>
+                <a:spcPct val="200000"/>
+              </a:lnSpc>
+              <a:buFont typeface="Arial" panose="020B0604020202020204" pitchFamily="34" charset="0"/>
+              <a:buChar char="•"/>
+            </a:pPr>
+            <a:r>
+              <a:rPr lang="zh-CN" altLang="en-US" dirty="0">
+                <a:solidFill>
+                  <a:srgbClr val="333333"/>
+                </a:solidFill>
+                <a:latin typeface="-apple-system-font"/>
+              </a:rPr>
+              <a:t>度量类（</a:t>
+            </a:r>
+            <a:r>
+              <a:rPr lang="en-US" altLang="zh-CN" dirty="0">
+                <a:solidFill>
+                  <a:srgbClr val="333333"/>
+                </a:solidFill>
+                <a:latin typeface="-apple-system-font"/>
+              </a:rPr>
+              <a:t>Metrics</a:t>
+            </a:r>
+            <a:r>
+              <a:rPr lang="zh-CN" altLang="en-US" dirty="0">
+                <a:solidFill>
+                  <a:srgbClr val="333333"/>
+                </a:solidFill>
+                <a:latin typeface="-apple-system-font"/>
+              </a:rPr>
+              <a:t>）</a:t>
+            </a:r>
+            <a:endParaRPr lang="en-US" altLang="zh-CN" dirty="0">
+              <a:solidFill>
+                <a:srgbClr val="333333"/>
+              </a:solidFill>
+              <a:latin typeface="-apple-system-font"/>
+            </a:endParaRPr>
+          </a:p>
+          <a:p>
+            <a:pPr algn="just">
+              <a:lnSpc>
+                <a:spcPct val="200000"/>
+              </a:lnSpc>
+              <a:buFont typeface="Arial" panose="020B0604020202020204" pitchFamily="34" charset="0"/>
+              <a:buChar char="•"/>
+            </a:pPr>
+            <a:r>
+              <a:rPr lang="zh-CN" altLang="en-US" dirty="0">
+                <a:solidFill>
+                  <a:srgbClr val="333333"/>
+                </a:solidFill>
+                <a:latin typeface="-apple-system-font"/>
+              </a:rPr>
+              <a:t>调用链类（</a:t>
+            </a:r>
+            <a:r>
+              <a:rPr lang="en-US" altLang="zh-CN" dirty="0">
+                <a:solidFill>
+                  <a:srgbClr val="333333"/>
+                </a:solidFill>
+                <a:latin typeface="-apple-system-font"/>
+              </a:rPr>
+              <a:t>Tracing</a:t>
+            </a:r>
+            <a:r>
+              <a:rPr lang="zh-CN" altLang="en-US" dirty="0">
+                <a:solidFill>
+                  <a:srgbClr val="333333"/>
+                </a:solidFill>
+                <a:latin typeface="-apple-system-font"/>
+              </a:rPr>
+              <a:t>）</a:t>
+            </a:r>
+          </a:p>
+          <a:p>
+            <a:pPr algn="just">
+              <a:buFont typeface="Arial" panose="020B0604020202020204" pitchFamily="34" charset="0"/>
+              <a:buChar char="•"/>
+            </a:pPr>
+            <a:endParaRPr lang="en-US" altLang="zh-CN" b="0" i="0" dirty="0">
+              <a:solidFill>
+                <a:srgbClr val="333333"/>
+              </a:solidFill>
+              <a:effectLst/>
+              <a:latin typeface="-apple-system-font"/>
+            </a:endParaRPr>
+          </a:p>
+          <a:p>
+            <a:pPr algn="just">
+              <a:buFont typeface="Arial" panose="020B0604020202020204" pitchFamily="34" charset="0"/>
+              <a:buChar char="•"/>
+            </a:pPr>
+            <a:endParaRPr lang="en-US" altLang="zh-CN" dirty="0">
+              <a:solidFill>
+                <a:srgbClr val="333333"/>
+              </a:solidFill>
+              <a:latin typeface="-apple-system-font"/>
+            </a:endParaRPr>
+          </a:p>
+          <a:p>
+            <a:pPr algn="just">
+              <a:buFont typeface="Arial" panose="020B0604020202020204" pitchFamily="34" charset="0"/>
+              <a:buChar char="•"/>
+            </a:pPr>
+            <a:endParaRPr lang="en-US" altLang="zh-CN" b="0" i="0" dirty="0">
+              <a:solidFill>
+                <a:srgbClr val="333333"/>
+              </a:solidFill>
+              <a:effectLst/>
+              <a:latin typeface="-apple-system-font"/>
+            </a:endParaRPr>
+          </a:p>
+          <a:p>
+            <a:pPr algn="just"/>
+            <a:r>
+              <a:rPr lang="en-US" altLang="zh-CN" dirty="0"/>
+              <a:t>Logging</a:t>
+            </a:r>
+            <a:r>
+              <a:rPr lang="zh-CN" altLang="en-US" dirty="0"/>
+              <a:t>，</a:t>
+            </a:r>
+            <a:r>
+              <a:rPr lang="en-US" altLang="zh-CN" dirty="0"/>
+              <a:t>Metrics </a:t>
+            </a:r>
+            <a:r>
+              <a:rPr lang="zh-CN" altLang="en-US" dirty="0"/>
+              <a:t>和 </a:t>
+            </a:r>
+            <a:r>
+              <a:rPr lang="en-US" altLang="zh-CN" dirty="0"/>
+              <a:t>Tracing </a:t>
+            </a:r>
+            <a:r>
+              <a:rPr lang="zh-CN" altLang="en-US" dirty="0"/>
+              <a:t>有各自专注的部分。</a:t>
+            </a:r>
+            <a:endParaRPr lang="zh-CN" altLang="en-US" b="0" i="0" dirty="0">
+              <a:solidFill>
+                <a:srgbClr val="333333"/>
+              </a:solidFill>
+              <a:effectLst/>
+              <a:latin typeface="-apple-system-font"/>
+            </a:endParaRPr>
+          </a:p>
+        </p:txBody>
+      </p:sp>
+    </p:spTree>
+    <p:extLst>
+      <p:ext uri="{BB962C8B-B14F-4D97-AF65-F5344CB8AC3E}">
+        <p14:creationId xmlns:p14="http://schemas.microsoft.com/office/powerpoint/2010/main" val="1560449306"/>
+      </p:ext>
+    </p:extLst>
+  </p:cSld>
+  <p:clrMapOvr>
+    <a:masterClrMapping/>
+  </p:clrMapOvr>
+</p:sld>
+</file>
+
+<file path=ppt/slides/slide5.xml><?xml version="1.0" encoding="utf-8"?>
+<p:sld xmlns:a="http://schemas.openxmlformats.org/drawingml/2006/main" xmlns:r="http://schemas.openxmlformats.org/officeDocument/2006/relationships" xmlns:p="http://schemas.openxmlformats.org/presentationml/2006/main">
+  <p:cSld>
+    <p:spTree>
+      <p:nvGrpSpPr>
+        <p:cNvPr id="1" name=""/>
+        <p:cNvGrpSpPr/>
+        <p:nvPr/>
+      </p:nvGrpSpPr>
+      <p:grpSpPr>
+        <a:xfrm>
+          <a:off x="0" y="0"/>
+          <a:ext cx="0" cy="0"/>
+          <a:chOff x="0" y="0"/>
+          <a:chExt cx="0" cy="0"/>
+        </a:xfrm>
+      </p:grpSpPr>
+      <p:sp>
+        <p:nvSpPr>
+          <p:cNvPr id="4" name="矩形 3">
+            <a:extLst>
+              <a:ext uri="{FF2B5EF4-FFF2-40B4-BE49-F238E27FC236}">
                 <a16:creationId xmlns:a16="http://schemas.microsoft.com/office/drawing/2014/main" id="{13D3D58D-494D-40A5-B2B7-384997247D1B}"/>
               </a:ext>
             </a:extLst>
@@ -9305,7 +9508,7 @@
 </p:sld>
 </file>
 
-<file path=ppt/slides/slide5.xml><?xml version="1.0" encoding="utf-8"?>
+<file path=ppt/slides/slide6.xml><?xml version="1.0" encoding="utf-8"?>
 <p:sld xmlns:a="http://schemas.openxmlformats.org/drawingml/2006/main" xmlns:r="http://schemas.openxmlformats.org/officeDocument/2006/relationships" xmlns:p="http://schemas.openxmlformats.org/presentationml/2006/main">
   <p:cSld>
     <p:spTree>
@@ -10004,7 +10207,7 @@
 </p:sld>
 </file>
 
-<file path=ppt/slides/slide6.xml><?xml version="1.0" encoding="utf-8"?>
+<file path=ppt/slides/slide7.xml><?xml version="1.0" encoding="utf-8"?>
 <p:sld xmlns:a="http://schemas.openxmlformats.org/drawingml/2006/main" xmlns:r="http://schemas.openxmlformats.org/officeDocument/2006/relationships" xmlns:p="http://schemas.openxmlformats.org/presentationml/2006/main">
   <p:cSld>
     <p:spTree>
@@ -10066,7 +10269,7 @@
 </p:sld>
 </file>
 
-<file path=ppt/slides/slide7.xml><?xml version="1.0" encoding="utf-8"?>
+<file path=ppt/slides/slide8.xml><?xml version="1.0" encoding="utf-8"?>
 <p:sld xmlns:a="http://schemas.openxmlformats.org/drawingml/2006/main" xmlns:r="http://schemas.openxmlformats.org/officeDocument/2006/relationships" xmlns:p="http://schemas.openxmlformats.org/presentationml/2006/main">
   <p:cSld>
     <p:spTree>
@@ -10264,7 +10467,7 @@
 </p:sld>
 </file>
 
-<file path=ppt/slides/slide8.xml><?xml version="1.0" encoding="utf-8"?>
+<file path=ppt/slides/slide9.xml><?xml version="1.0" encoding="utf-8"?>
 <p:sld xmlns:a="http://schemas.openxmlformats.org/drawingml/2006/main" xmlns:r="http://schemas.openxmlformats.org/officeDocument/2006/relationships" xmlns:p="http://schemas.openxmlformats.org/presentationml/2006/main">
   <p:cSld>
     <p:spTree>
@@ -10578,66 +10781,6 @@
     <p:extLst>
       <p:ext uri="{BB962C8B-B14F-4D97-AF65-F5344CB8AC3E}">
         <p14:creationId xmlns:p14="http://schemas.microsoft.com/office/powerpoint/2010/main" val="3889257426"/>
-      </p:ext>
-    </p:extLst>
-  </p:cSld>
-  <p:clrMapOvr>
-    <a:masterClrMapping/>
-  </p:clrMapOvr>
-</p:sld>
-</file>
-
-<file path=ppt/slides/slide9.xml><?xml version="1.0" encoding="utf-8"?>
-<p:sld xmlns:a="http://schemas.openxmlformats.org/drawingml/2006/main" xmlns:r="http://schemas.openxmlformats.org/officeDocument/2006/relationships" xmlns:p="http://schemas.openxmlformats.org/presentationml/2006/main">
-  <p:cSld>
-    <p:spTree>
-      <p:nvGrpSpPr>
-        <p:cNvPr id="1" name=""/>
-        <p:cNvGrpSpPr/>
-        <p:nvPr/>
-      </p:nvGrpSpPr>
-      <p:grpSpPr>
-        <a:xfrm>
-          <a:off x="0" y="0"/>
-          <a:ext cx="0" cy="0"/>
-          <a:chOff x="0" y="0"/>
-          <a:chExt cx="0" cy="0"/>
-        </a:xfrm>
-      </p:grpSpPr>
-      <p:pic>
-        <p:nvPicPr>
-          <p:cNvPr id="4" name="图片 3">
-            <a:extLst>
-              <a:ext uri="{FF2B5EF4-FFF2-40B4-BE49-F238E27FC236}">
-                <a16:creationId xmlns:a16="http://schemas.microsoft.com/office/drawing/2014/main" id="{AFCDE4BE-9749-48F0-B9B7-E3B8956D1F84}"/>
-              </a:ext>
-            </a:extLst>
-          </p:cNvPr>
-          <p:cNvPicPr>
-            <a:picLocks noChangeAspect="1"/>
-          </p:cNvPicPr>
-          <p:nvPr/>
-        </p:nvPicPr>
-        <p:blipFill>
-          <a:blip r:embed="rId2"/>
-          <a:stretch>
-            <a:fillRect/>
-          </a:stretch>
-        </p:blipFill>
-        <p:spPr>
-          <a:xfrm>
-            <a:off x="2143586" y="447641"/>
-            <a:ext cx="7761905" cy="6104762"/>
-          </a:xfrm>
-          <a:prstGeom prst="rect">
-            <a:avLst/>
-          </a:prstGeom>
-        </p:spPr>
-      </p:pic>
-    </p:spTree>
-    <p:extLst>
-      <p:ext uri="{BB962C8B-B14F-4D97-AF65-F5344CB8AC3E}">
-        <p14:creationId xmlns:p14="http://schemas.microsoft.com/office/powerpoint/2010/main" val="3636653221"/>
       </p:ext>
     </p:extLst>
   </p:cSld>
